--- a/docs/presentation/EDocs_presentation.pptx
+++ b/docs/presentation/EDocs_presentation.pptx
@@ -8,6 +8,9 @@
     <p:sldId id="256" r:id="rId2"/>
     <p:sldId id="257" r:id="rId3"/>
     <p:sldId id="258" r:id="rId4"/>
+    <p:sldId id="259" r:id="rId5"/>
+    <p:sldId id="261" r:id="rId6"/>
+    <p:sldId id="260" r:id="rId7"/>
   </p:sldIdLst>
   <p:sldSz cx="12192000" cy="6858000"/>
   <p:notesSz cx="6858000" cy="9144000"/>
@@ -108,7 +111,23 @@
   </p:defaultTextStyle>
   <p:extLst>
     <p:ext uri="{EFAFB233-063F-42B5-8137-9DF3F51BA10A}">
-      <p15:sldGuideLst xmlns:p15="http://schemas.microsoft.com/office/powerpoint/2012/main"/>
+      <p15:sldGuideLst xmlns:p15="http://schemas.microsoft.com/office/powerpoint/2012/main">
+        <p15:guide id="1" orient="horz" pos="3566" userDrawn="1">
+          <p15:clr>
+            <a:srgbClr val="A4A3A4"/>
+          </p15:clr>
+        </p15:guide>
+        <p15:guide id="2" pos="3840" userDrawn="1">
+          <p15:clr>
+            <a:srgbClr val="A4A3A4"/>
+          </p15:clr>
+        </p15:guide>
+        <p15:guide id="3" orient="horz" pos="1797" userDrawn="1">
+          <p15:clr>
+            <a:srgbClr val="A4A3A4"/>
+          </p15:clr>
+        </p15:guide>
+      </p15:sldGuideLst>
     </p:ext>
   </p:extLst>
 </p:presentation>
@@ -247,7 +266,7 @@
           <a:p>
             <a:fld id="{2E455E3A-3752-4DF1-85A2-97465DB392ED}" type="datetimeFigureOut">
               <a:rPr lang="es-ES" smtClean="0"/>
-              <a:t>12/05/2017</a:t>
+              <a:t>14/07/2017</a:t>
             </a:fld>
             <a:endParaRPr lang="es-ES"/>
           </a:p>
@@ -415,7 +434,7 @@
           <a:p>
             <a:fld id="{2E455E3A-3752-4DF1-85A2-97465DB392ED}" type="datetimeFigureOut">
               <a:rPr lang="es-ES" smtClean="0"/>
-              <a:t>12/05/2017</a:t>
+              <a:t>14/07/2017</a:t>
             </a:fld>
             <a:endParaRPr lang="es-ES"/>
           </a:p>
@@ -593,7 +612,7 @@
           <a:p>
             <a:fld id="{2E455E3A-3752-4DF1-85A2-97465DB392ED}" type="datetimeFigureOut">
               <a:rPr lang="es-ES" smtClean="0"/>
-              <a:t>12/05/2017</a:t>
+              <a:t>14/07/2017</a:t>
             </a:fld>
             <a:endParaRPr lang="es-ES"/>
           </a:p>
@@ -761,7 +780,7 @@
           <a:p>
             <a:fld id="{2E455E3A-3752-4DF1-85A2-97465DB392ED}" type="datetimeFigureOut">
               <a:rPr lang="es-ES" smtClean="0"/>
-              <a:t>12/05/2017</a:t>
+              <a:t>14/07/2017</a:t>
             </a:fld>
             <a:endParaRPr lang="es-ES"/>
           </a:p>
@@ -1006,7 +1025,7 @@
           <a:p>
             <a:fld id="{2E455E3A-3752-4DF1-85A2-97465DB392ED}" type="datetimeFigureOut">
               <a:rPr lang="es-ES" smtClean="0"/>
-              <a:t>12/05/2017</a:t>
+              <a:t>14/07/2017</a:t>
             </a:fld>
             <a:endParaRPr lang="es-ES"/>
           </a:p>
@@ -1235,7 +1254,7 @@
           <a:p>
             <a:fld id="{2E455E3A-3752-4DF1-85A2-97465DB392ED}" type="datetimeFigureOut">
               <a:rPr lang="es-ES" smtClean="0"/>
-              <a:t>12/05/2017</a:t>
+              <a:t>14/07/2017</a:t>
             </a:fld>
             <a:endParaRPr lang="es-ES"/>
           </a:p>
@@ -1599,7 +1618,7 @@
           <a:p>
             <a:fld id="{2E455E3A-3752-4DF1-85A2-97465DB392ED}" type="datetimeFigureOut">
               <a:rPr lang="es-ES" smtClean="0"/>
-              <a:t>12/05/2017</a:t>
+              <a:t>14/07/2017</a:t>
             </a:fld>
             <a:endParaRPr lang="es-ES"/>
           </a:p>
@@ -1716,7 +1735,7 @@
           <a:p>
             <a:fld id="{2E455E3A-3752-4DF1-85A2-97465DB392ED}" type="datetimeFigureOut">
               <a:rPr lang="es-ES" smtClean="0"/>
-              <a:t>12/05/2017</a:t>
+              <a:t>14/07/2017</a:t>
             </a:fld>
             <a:endParaRPr lang="es-ES"/>
           </a:p>
@@ -1811,7 +1830,7 @@
           <a:p>
             <a:fld id="{2E455E3A-3752-4DF1-85A2-97465DB392ED}" type="datetimeFigureOut">
               <a:rPr lang="es-ES" smtClean="0"/>
-              <a:t>12/05/2017</a:t>
+              <a:t>14/07/2017</a:t>
             </a:fld>
             <a:endParaRPr lang="es-ES"/>
           </a:p>
@@ -2086,7 +2105,7 @@
           <a:p>
             <a:fld id="{2E455E3A-3752-4DF1-85A2-97465DB392ED}" type="datetimeFigureOut">
               <a:rPr lang="es-ES" smtClean="0"/>
-              <a:t>12/05/2017</a:t>
+              <a:t>14/07/2017</a:t>
             </a:fld>
             <a:endParaRPr lang="es-ES"/>
           </a:p>
@@ -2338,7 +2357,7 @@
           <a:p>
             <a:fld id="{2E455E3A-3752-4DF1-85A2-97465DB392ED}" type="datetimeFigureOut">
               <a:rPr lang="es-ES" smtClean="0"/>
-              <a:t>12/05/2017</a:t>
+              <a:t>14/07/2017</a:t>
             </a:fld>
             <a:endParaRPr lang="es-ES"/>
           </a:p>
@@ -2549,7 +2568,7 @@
           <a:p>
             <a:fld id="{2E455E3A-3752-4DF1-85A2-97465DB392ED}" type="datetimeFigureOut">
               <a:rPr lang="es-ES" smtClean="0"/>
-              <a:t>12/05/2017</a:t>
+              <a:t>14/07/2017</a:t>
             </a:fld>
             <a:endParaRPr lang="es-ES"/>
           </a:p>
@@ -2962,7 +2981,7 @@
         </p:nvSpPr>
         <p:spPr>
           <a:xfrm>
-            <a:off x="7707087" y="3789014"/>
+            <a:off x="7698461" y="4050624"/>
             <a:ext cx="3548743" cy="523220"/>
           </a:xfrm>
           <a:prstGeom prst="rect">
@@ -3058,7 +3077,7 @@
         </p:blipFill>
         <p:spPr>
           <a:xfrm>
-            <a:off x="2626813" y="1352447"/>
+            <a:off x="2376442" y="1634454"/>
             <a:ext cx="7439116" cy="2436567"/>
           </a:xfrm>
           <a:prstGeom prst="rect">
@@ -3066,6 +3085,336 @@
           </a:prstGeom>
         </p:spPr>
       </p:pic>
+      <p:pic>
+        <p:nvPicPr>
+          <p:cNvPr id="5" name="Imagen 4">
+            <a:extLst>
+              <a:ext uri="{FF2B5EF4-FFF2-40B4-BE49-F238E27FC236}">
+                <a16:creationId xmlns:a16="http://schemas.microsoft.com/office/drawing/2014/main" id="{F3093287-87BF-4B1C-AC21-DEFDA678D8D1}"/>
+              </a:ext>
+            </a:extLst>
+          </p:cNvPr>
+          <p:cNvPicPr>
+            <a:picLocks noChangeAspect="1"/>
+          </p:cNvPicPr>
+          <p:nvPr/>
+        </p:nvPicPr>
+        <p:blipFill>
+          <a:blip r:embed="rId2">
+            <a:extLst>
+              <a:ext uri="{28A0092B-C50C-407E-A947-70E740481C1C}">
+                <a14:useLocalDpi xmlns:a14="http://schemas.microsoft.com/office/drawing/2010/main" val="0"/>
+              </a:ext>
+            </a:extLst>
+          </a:blip>
+          <a:stretch>
+            <a:fillRect/>
+          </a:stretch>
+        </p:blipFill>
+        <p:spPr>
+          <a:xfrm>
+            <a:off x="134595" y="118649"/>
+            <a:ext cx="646094" cy="211618"/>
+          </a:xfrm>
+          <a:prstGeom prst="rect">
+            <a:avLst/>
+          </a:prstGeom>
+        </p:spPr>
+      </p:pic>
+      <p:pic>
+        <p:nvPicPr>
+          <p:cNvPr id="6" name="Imagen 5">
+            <a:extLst>
+              <a:ext uri="{FF2B5EF4-FFF2-40B4-BE49-F238E27FC236}">
+                <a16:creationId xmlns:a16="http://schemas.microsoft.com/office/drawing/2014/main" id="{746CD4D9-9963-4CD5-AB88-87C4B1D11306}"/>
+              </a:ext>
+            </a:extLst>
+          </p:cNvPr>
+          <p:cNvPicPr>
+            <a:picLocks noChangeAspect="1"/>
+          </p:cNvPicPr>
+          <p:nvPr/>
+        </p:nvPicPr>
+        <p:blipFill>
+          <a:blip r:embed="rId3">
+            <a:extLst>
+              <a:ext uri="{28A0092B-C50C-407E-A947-70E740481C1C}">
+                <a14:useLocalDpi xmlns:a14="http://schemas.microsoft.com/office/drawing/2010/main" val="0"/>
+              </a:ext>
+            </a:extLst>
+          </a:blip>
+          <a:stretch>
+            <a:fillRect/>
+          </a:stretch>
+        </p:blipFill>
+        <p:spPr>
+          <a:xfrm>
+            <a:off x="11706045" y="12752"/>
+            <a:ext cx="423412" cy="423412"/>
+          </a:xfrm>
+          <a:prstGeom prst="rect">
+            <a:avLst/>
+          </a:prstGeom>
+        </p:spPr>
+      </p:pic>
+      <p:grpSp>
+        <p:nvGrpSpPr>
+          <p:cNvPr id="16" name="Grupo 15">
+            <a:extLst>
+              <a:ext uri="{FF2B5EF4-FFF2-40B4-BE49-F238E27FC236}">
+                <a16:creationId xmlns:a16="http://schemas.microsoft.com/office/drawing/2014/main" id="{195F9B44-9EEF-4F6C-900C-B2F91C0BFBD8}"/>
+              </a:ext>
+            </a:extLst>
+          </p:cNvPr>
+          <p:cNvGrpSpPr/>
+          <p:nvPr/>
+        </p:nvGrpSpPr>
+        <p:grpSpPr>
+          <a:xfrm>
+            <a:off x="3257242" y="5644159"/>
+            <a:ext cx="5677515" cy="1213841"/>
+            <a:chOff x="2272405" y="5584720"/>
+            <a:chExt cx="5677515" cy="1213841"/>
+          </a:xfrm>
+        </p:grpSpPr>
+        <p:pic>
+          <p:nvPicPr>
+            <p:cNvPr id="3" name="Imagen 2">
+              <a:extLst>
+                <a:ext uri="{FF2B5EF4-FFF2-40B4-BE49-F238E27FC236}">
+                  <a16:creationId xmlns:a16="http://schemas.microsoft.com/office/drawing/2014/main" id="{7665D1F1-1EF5-4DDB-96C5-C1246AC02720}"/>
+                </a:ext>
+              </a:extLst>
+            </p:cNvPr>
+            <p:cNvPicPr>
+              <a:picLocks noChangeAspect="1"/>
+            </p:cNvPicPr>
+            <p:nvPr/>
+          </p:nvPicPr>
+          <p:blipFill>
+            <a:blip r:embed="rId4">
+              <a:extLst>
+                <a:ext uri="{28A0092B-C50C-407E-A947-70E740481C1C}">
+                  <a14:useLocalDpi xmlns:a14="http://schemas.microsoft.com/office/drawing/2010/main" val="0"/>
+                </a:ext>
+              </a:extLst>
+            </a:blip>
+            <a:stretch>
+              <a:fillRect/>
+            </a:stretch>
+          </p:blipFill>
+          <p:spPr>
+            <a:xfrm>
+              <a:off x="6736079" y="5584720"/>
+              <a:ext cx="1213841" cy="1213841"/>
+            </a:xfrm>
+            <a:prstGeom prst="rect">
+              <a:avLst/>
+            </a:prstGeom>
+          </p:spPr>
+        </p:pic>
+        <p:grpSp>
+          <p:nvGrpSpPr>
+            <p:cNvPr id="15" name="Grupo 14">
+              <a:extLst>
+                <a:ext uri="{FF2B5EF4-FFF2-40B4-BE49-F238E27FC236}">
+                  <a16:creationId xmlns:a16="http://schemas.microsoft.com/office/drawing/2014/main" id="{5132F537-DB68-4267-8131-DA82F8EBA4BF}"/>
+                </a:ext>
+              </a:extLst>
+            </p:cNvPr>
+            <p:cNvGrpSpPr/>
+            <p:nvPr/>
+          </p:nvGrpSpPr>
+          <p:grpSpPr>
+            <a:xfrm>
+              <a:off x="2272405" y="5772145"/>
+              <a:ext cx="4299063" cy="838993"/>
+              <a:chOff x="2272405" y="5772145"/>
+              <a:chExt cx="4299063" cy="838993"/>
+            </a:xfrm>
+          </p:grpSpPr>
+          <p:pic>
+            <p:nvPicPr>
+              <p:cNvPr id="9" name="Imagen 8">
+                <a:extLst>
+                  <a:ext uri="{FF2B5EF4-FFF2-40B4-BE49-F238E27FC236}">
+                    <a16:creationId xmlns:a16="http://schemas.microsoft.com/office/drawing/2014/main" id="{C15028B6-2E1C-4932-8CC1-78836B79E551}"/>
+                  </a:ext>
+                </a:extLst>
+              </p:cNvPr>
+              <p:cNvPicPr>
+                <a:picLocks noChangeAspect="1"/>
+              </p:cNvPicPr>
+              <p:nvPr/>
+            </p:nvPicPr>
+            <p:blipFill>
+              <a:blip r:embed="rId5">
+                <a:extLst>
+                  <a:ext uri="{28A0092B-C50C-407E-A947-70E740481C1C}">
+                    <a14:useLocalDpi xmlns:a14="http://schemas.microsoft.com/office/drawing/2010/main" val="0"/>
+                  </a:ext>
+                </a:extLst>
+              </a:blip>
+              <a:stretch>
+                <a:fillRect/>
+              </a:stretch>
+            </p:blipFill>
+            <p:spPr>
+              <a:xfrm>
+                <a:off x="3459064" y="5805488"/>
+                <a:ext cx="772308" cy="772308"/>
+              </a:xfrm>
+              <a:prstGeom prst="rect">
+                <a:avLst/>
+              </a:prstGeom>
+            </p:spPr>
+          </p:pic>
+          <p:pic>
+            <p:nvPicPr>
+              <p:cNvPr id="11" name="Imagen 10">
+                <a:extLst>
+                  <a:ext uri="{FF2B5EF4-FFF2-40B4-BE49-F238E27FC236}">
+                    <a16:creationId xmlns:a16="http://schemas.microsoft.com/office/drawing/2014/main" id="{CD836775-A029-4D19-9986-21C64F72720B}"/>
+                  </a:ext>
+                </a:extLst>
+              </p:cNvPr>
+              <p:cNvPicPr>
+                <a:picLocks noChangeAspect="1"/>
+              </p:cNvPicPr>
+              <p:nvPr/>
+            </p:nvPicPr>
+            <p:blipFill>
+              <a:blip r:embed="rId6">
+                <a:extLst>
+                  <a:ext uri="{28A0092B-C50C-407E-A947-70E740481C1C}">
+                    <a14:useLocalDpi xmlns:a14="http://schemas.microsoft.com/office/drawing/2010/main" val="0"/>
+                  </a:ext>
+                </a:extLst>
+              </a:blip>
+              <a:stretch>
+                <a:fillRect/>
+              </a:stretch>
+            </p:blipFill>
+            <p:spPr>
+              <a:xfrm>
+                <a:off x="5904383" y="5837523"/>
+                <a:ext cx="667085" cy="772414"/>
+              </a:xfrm>
+              <a:prstGeom prst="rect">
+                <a:avLst/>
+              </a:prstGeom>
+            </p:spPr>
+          </p:pic>
+          <p:pic>
+            <p:nvPicPr>
+              <p:cNvPr id="13" name="Imagen 12">
+                <a:extLst>
+                  <a:ext uri="{FF2B5EF4-FFF2-40B4-BE49-F238E27FC236}">
+                    <a16:creationId xmlns:a16="http://schemas.microsoft.com/office/drawing/2014/main" id="{BF923B80-6B9A-4768-B6D8-1FC882FC8F6E}"/>
+                  </a:ext>
+                </a:extLst>
+              </p:cNvPr>
+              <p:cNvPicPr>
+                <a:picLocks noChangeAspect="1"/>
+              </p:cNvPicPr>
+              <p:nvPr/>
+            </p:nvPicPr>
+            <p:blipFill>
+              <a:blip r:embed="rId7">
+                <a:extLst>
+                  <a:ext uri="{28A0092B-C50C-407E-A947-70E740481C1C}">
+                    <a14:useLocalDpi xmlns:a14="http://schemas.microsoft.com/office/drawing/2010/main" val="0"/>
+                  </a:ext>
+                </a:extLst>
+              </a:blip>
+              <a:stretch>
+                <a:fillRect/>
+              </a:stretch>
+            </p:blipFill>
+            <p:spPr>
+              <a:xfrm>
+                <a:off x="4648381" y="5772145"/>
+                <a:ext cx="838993" cy="838993"/>
+              </a:xfrm>
+              <a:prstGeom prst="rect">
+                <a:avLst/>
+              </a:prstGeom>
+            </p:spPr>
+          </p:pic>
+          <p:sp>
+            <p:nvSpPr>
+              <p:cNvPr id="14" name="CuadroTexto 13">
+                <a:extLst>
+                  <a:ext uri="{FF2B5EF4-FFF2-40B4-BE49-F238E27FC236}">
+                    <a16:creationId xmlns:a16="http://schemas.microsoft.com/office/drawing/2014/main" id="{8753E9D2-7D3F-4116-A499-D523C8180BF9}"/>
+                  </a:ext>
+                </a:extLst>
+              </p:cNvPr>
+              <p:cNvSpPr txBox="1"/>
+              <p:nvPr/>
+            </p:nvSpPr>
+            <p:spPr>
+              <a:xfrm>
+                <a:off x="2272405" y="6300797"/>
+                <a:ext cx="1534185" cy="276999"/>
+              </a:xfrm>
+              <a:prstGeom prst="rect">
+                <a:avLst/>
+              </a:prstGeom>
+              <a:noFill/>
+            </p:spPr>
+            <p:txBody>
+              <a:bodyPr wrap="square" rtlCol="0">
+                <a:spAutoFit/>
+              </a:bodyPr>
+              <a:lstStyle/>
+              <a:p>
+                <a:r>
+                  <a:rPr lang="es-ES" sz="1200" dirty="0" err="1">
+                    <a:solidFill>
+                      <a:schemeClr val="tx1">
+                        <a:lumMod val="65%"/>
+                        <a:lumOff val="35%"/>
+                      </a:schemeClr>
+                    </a:solidFill>
+                  </a:rPr>
+                  <a:t>Powered</a:t>
+                </a:r>
+                <a:r>
+                  <a:rPr lang="es-ES" sz="1200" dirty="0">
+                    <a:solidFill>
+                      <a:schemeClr val="tx1">
+                        <a:lumMod val="65%"/>
+                        <a:lumOff val="35%"/>
+                      </a:schemeClr>
+                    </a:solidFill>
+                  </a:rPr>
+                  <a:t> </a:t>
+                </a:r>
+                <a:r>
+                  <a:rPr lang="es-ES" sz="1200" dirty="0" err="1">
+                    <a:solidFill>
+                      <a:schemeClr val="tx1">
+                        <a:lumMod val="65%"/>
+                        <a:lumOff val="35%"/>
+                      </a:schemeClr>
+                    </a:solidFill>
+                  </a:rPr>
+                  <a:t>by</a:t>
+                </a:r>
+                <a:endParaRPr lang="en-GB" sz="1200" dirty="0">
+                  <a:solidFill>
+                    <a:schemeClr val="tx1">
+                      <a:lumMod val="65%"/>
+                      <a:lumOff val="35%"/>
+                    </a:schemeClr>
+                  </a:solidFill>
+                </a:endParaRPr>
+              </a:p>
+            </p:txBody>
+          </p:sp>
+        </p:grpSp>
+      </p:grpSp>
     </p:spTree>
     <p:extLst>
       <p:ext uri="{BB962C8B-B14F-4D97-AF65-F5344CB8AC3E}">
@@ -3118,51 +3467,31 @@
           </a:bodyPr>
           <a:lstStyle/>
           <a:p>
-            <a:pPr marL="0" indent="0">
+            <a:pPr marL="0" indent="0" algn="just">
               <a:buNone/>
             </a:pPr>
             <a:r>
-              <a:rPr lang="en-US" sz="2400" b="1" dirty="0" err="1">
+              <a:rPr lang="en-US" sz="2400" b="1" dirty="0">
                 <a:solidFill>
                   <a:srgbClr val="FF5E00"/>
                 </a:solidFill>
               </a:rPr>
-              <a:t>EDocs</a:t>
+              <a:t>eDocs</a:t>
             </a:r>
             <a:r>
               <a:rPr lang="en-US" sz="2400" dirty="0"/>
               <a:t> is a system to store all the documents addressed to a user in his unique secure account.</a:t>
             </a:r>
-            <a:endParaRPr lang="es-ES" sz="2400" dirty="0"/>
-          </a:p>
-          <a:p>
-            <a:pPr marL="0" indent="0">
+          </a:p>
+          <a:p>
+            <a:pPr marL="0" indent="0" algn="just">
               <a:buNone/>
             </a:pPr>
             <a:r>
               <a:rPr lang="en-US" sz="2400" dirty="0"/>
-              <a:t>Companies</a:t>
-            </a:r>
-            <a:r>
-              <a:rPr lang="es-ES" sz="2400" dirty="0"/>
-              <a:t> </a:t>
-            </a:r>
-            <a:r>
-              <a:rPr lang="en-US" sz="2400" dirty="0"/>
-              <a:t>send to users documents in different ways; E-Mail, post, using their own apps… </a:t>
-            </a:r>
-            <a:r>
-              <a:rPr lang="en-US" sz="2400" b="1" dirty="0" err="1">
-                <a:solidFill>
-                  <a:srgbClr val="FF5E00"/>
-                </a:solidFill>
-              </a:rPr>
-              <a:t>EDocs</a:t>
-            </a:r>
-            <a:r>
-              <a:rPr lang="en-US" sz="2400" dirty="0"/>
-              <a:t> is a legal, safe and user controlled system where the companies can send to the user their documents if the user allows it.</a:t>
-            </a:r>
+              <a:t>Having all documents addressed to the user in the same app will  reduce administration cost and ease the document managing for the user</a:t>
+            </a:r>
+            <a:endParaRPr lang="es-ES" sz="2400" dirty="0"/>
           </a:p>
         </p:txBody>
       </p:sp>
@@ -3960,8 +4289,44 @@
         </p:blipFill>
         <p:spPr>
           <a:xfrm>
-            <a:off x="11469704" y="49638"/>
+            <a:off x="134595" y="118649"/>
             <a:ext cx="646094" cy="211618"/>
+          </a:xfrm>
+          <a:prstGeom prst="rect">
+            <a:avLst/>
+          </a:prstGeom>
+        </p:spPr>
+      </p:pic>
+      <p:pic>
+        <p:nvPicPr>
+          <p:cNvPr id="8" name="Imagen 7">
+            <a:extLst>
+              <a:ext uri="{FF2B5EF4-FFF2-40B4-BE49-F238E27FC236}">
+                <a16:creationId xmlns:a16="http://schemas.microsoft.com/office/drawing/2014/main" id="{DB124B02-BBB0-417F-AE28-20FB0B372EEF}"/>
+              </a:ext>
+            </a:extLst>
+          </p:cNvPr>
+          <p:cNvPicPr>
+            <a:picLocks noChangeAspect="1"/>
+          </p:cNvPicPr>
+          <p:nvPr/>
+        </p:nvPicPr>
+        <p:blipFill>
+          <a:blip r:embed="rId11">
+            <a:extLst>
+              <a:ext uri="{28A0092B-C50C-407E-A947-70E740481C1C}">
+                <a14:useLocalDpi xmlns:a14="http://schemas.microsoft.com/office/drawing/2010/main" val="0"/>
+              </a:ext>
+            </a:extLst>
+          </a:blip>
+          <a:stretch>
+            <a:fillRect/>
+          </a:stretch>
+        </p:blipFill>
+        <p:spPr>
+          <a:xfrm>
+            <a:off x="11706045" y="12752"/>
+            <a:ext cx="423412" cy="423412"/>
           </a:xfrm>
           <a:prstGeom prst="rect">
             <a:avLst/>
@@ -4000,6 +4365,116 @@
       </p:grpSpPr>
       <p:sp>
         <p:nvSpPr>
+          <p:cNvPr id="58" name="Rectángulo: esquinas redondeadas 57">
+            <a:extLst>
+              <a:ext uri="{FF2B5EF4-FFF2-40B4-BE49-F238E27FC236}">
+                <a16:creationId xmlns:a16="http://schemas.microsoft.com/office/drawing/2014/main" id="{5841EC1B-45F5-4E2C-945A-4D285941F181}"/>
+              </a:ext>
+            </a:extLst>
+          </p:cNvPr>
+          <p:cNvSpPr/>
+          <p:nvPr/>
+        </p:nvSpPr>
+        <p:spPr>
+          <a:xfrm>
+            <a:off x="6749051" y="4084319"/>
+            <a:ext cx="2922760" cy="2502616"/>
+          </a:xfrm>
+          <a:prstGeom prst="roundRect">
+            <a:avLst/>
+          </a:prstGeom>
+          <a:ln w="38100">
+            <a:solidFill>
+              <a:schemeClr val="accent6"/>
+            </a:solidFill>
+          </a:ln>
+        </p:spPr>
+        <p:style>
+          <a:lnRef idx="2">
+            <a:schemeClr val="accent2"/>
+          </a:lnRef>
+          <a:fillRef idx="1">
+            <a:schemeClr val="lt1"/>
+          </a:fillRef>
+          <a:effectRef idx="0">
+            <a:schemeClr val="accent2"/>
+          </a:effectRef>
+          <a:fontRef idx="minor">
+            <a:schemeClr val="dk1"/>
+          </a:fontRef>
+        </p:style>
+        <p:txBody>
+          <a:bodyPr rtlCol="0" anchor="ctr"/>
+          <a:lstStyle/>
+          <a:p>
+            <a:pPr algn="ctr"/>
+            <a:endParaRPr lang="en-GB">
+              <a:ln w="12700">
+                <a:solidFill>
+                  <a:schemeClr val="tx1"/>
+                </a:solidFill>
+              </a:ln>
+            </a:endParaRPr>
+          </a:p>
+        </p:txBody>
+      </p:sp>
+      <p:sp>
+        <p:nvSpPr>
+          <p:cNvPr id="57" name="Rectángulo: esquinas redondeadas 56">
+            <a:extLst>
+              <a:ext uri="{FF2B5EF4-FFF2-40B4-BE49-F238E27FC236}">
+                <a16:creationId xmlns:a16="http://schemas.microsoft.com/office/drawing/2014/main" id="{B5ACD8D9-60BD-48B0-B7FF-A536FE58F54A}"/>
+              </a:ext>
+            </a:extLst>
+          </p:cNvPr>
+          <p:cNvSpPr/>
+          <p:nvPr/>
+        </p:nvSpPr>
+        <p:spPr>
+          <a:xfrm>
+            <a:off x="2453287" y="4084319"/>
+            <a:ext cx="2961075" cy="2502615"/>
+          </a:xfrm>
+          <a:prstGeom prst="roundRect">
+            <a:avLst/>
+          </a:prstGeom>
+          <a:ln w="38100">
+            <a:solidFill>
+              <a:srgbClr val="FF0000"/>
+            </a:solidFill>
+          </a:ln>
+        </p:spPr>
+        <p:style>
+          <a:lnRef idx="2">
+            <a:schemeClr val="accent2"/>
+          </a:lnRef>
+          <a:fillRef idx="1">
+            <a:schemeClr val="lt1"/>
+          </a:fillRef>
+          <a:effectRef idx="0">
+            <a:schemeClr val="accent2"/>
+          </a:effectRef>
+          <a:fontRef idx="minor">
+            <a:schemeClr val="dk1"/>
+          </a:fontRef>
+        </p:style>
+        <p:txBody>
+          <a:bodyPr rtlCol="0" anchor="ctr"/>
+          <a:lstStyle/>
+          <a:p>
+            <a:pPr algn="ctr"/>
+            <a:endParaRPr lang="en-GB">
+              <a:ln w="12700">
+                <a:solidFill>
+                  <a:schemeClr val="tx1"/>
+                </a:solidFill>
+              </a:ln>
+            </a:endParaRPr>
+          </a:p>
+        </p:txBody>
+      </p:sp>
+      <p:sp>
+        <p:nvSpPr>
           <p:cNvPr id="5" name="Rectángulo 4"/>
           <p:cNvSpPr/>
           <p:nvPr/>
@@ -4007,7 +4482,7 @@
         <p:spPr>
           <a:xfrm>
             <a:off x="852810" y="617018"/>
-            <a:ext cx="5517664" cy="584775"/>
+            <a:ext cx="4996048" cy="584775"/>
           </a:xfrm>
           <a:prstGeom prst="rect">
             <a:avLst/>
@@ -4025,7 +4500,7 @@
                   <a:srgbClr val="FF5E00"/>
                 </a:solidFill>
               </a:rPr>
-              <a:t>What features will have </a:t>
+              <a:t>What can do </a:t>
             </a:r>
             <a:r>
               <a:rPr lang="en-US" sz="3200" b="1" dirty="0" err="1">
@@ -4041,7 +4516,7 @@
                   <a:srgbClr val="FF5E00"/>
                 </a:solidFill>
               </a:rPr>
-              <a:t>?</a:t>
+              <a:t> for me?</a:t>
             </a:r>
             <a:endParaRPr lang="es-ES" sz="3200" dirty="0"/>
           </a:p>
@@ -4060,7 +4535,7 @@
         <p:spPr>
           <a:xfrm>
             <a:off x="852810" y="1262743"/>
-            <a:ext cx="10446561" cy="4669972"/>
+            <a:ext cx="10446561" cy="2760552"/>
           </a:xfrm>
         </p:spPr>
         <p:txBody>
@@ -4069,95 +4544,71 @@
           </a:bodyPr>
           <a:lstStyle/>
           <a:p>
+            <a:pPr marL="0" indent="0" algn="just">
+              <a:buNone/>
+            </a:pPr>
+            <a:r>
+              <a:rPr lang="en-US" sz="2400" b="1" dirty="0">
+                <a:solidFill>
+                  <a:srgbClr val="FF5E00"/>
+                </a:solidFill>
+              </a:rPr>
+              <a:t>eDocs</a:t>
+            </a:r>
             <a:r>
               <a:rPr lang="en-US" sz="2400" dirty="0"/>
-              <a:t>User</a:t>
-            </a:r>
-          </a:p>
-          <a:p>
-            <a:pPr lvl="1"/>
-            <a:r>
-              <a:rPr lang="en-US" sz="2000" dirty="0"/>
-              <a:t>Registration and login</a:t>
-            </a:r>
-          </a:p>
-          <a:p>
-            <a:pPr lvl="1"/>
-            <a:r>
-              <a:rPr lang="en-US" sz="2000" dirty="0"/>
-              <a:t>Accept privilege for transaction</a:t>
-            </a:r>
-          </a:p>
-          <a:p>
-            <a:pPr lvl="1"/>
-            <a:r>
-              <a:rPr lang="en-US" sz="2000" dirty="0"/>
-              <a:t>Document organization</a:t>
-            </a:r>
-          </a:p>
-          <a:p>
-            <a:pPr lvl="1"/>
-            <a:r>
-              <a:rPr lang="en-US" sz="2000" dirty="0"/>
-              <a:t>Document visualization</a:t>
-            </a:r>
-          </a:p>
-          <a:p>
-            <a:pPr lvl="1"/>
-            <a:r>
-              <a:rPr lang="en-US" sz="2000" dirty="0"/>
-              <a:t>Document Downloading</a:t>
-            </a:r>
-          </a:p>
-          <a:p>
-            <a:pPr lvl="1"/>
-            <a:r>
-              <a:rPr lang="en-US" sz="2000" dirty="0"/>
-              <a:t>List of companies that requested for transaction and status of the request</a:t>
-            </a:r>
-          </a:p>
-          <a:p>
+              <a:t> stores all documents received from another users (companies or persons) in a simple and personalized way.</a:t>
+            </a:r>
+          </a:p>
+          <a:p>
+            <a:pPr marL="0" indent="0" algn="just">
+              <a:buNone/>
+            </a:pPr>
             <a:r>
               <a:rPr lang="en-US" sz="2400" dirty="0"/>
-              <a:t>Company </a:t>
-            </a:r>
-          </a:p>
-          <a:p>
-            <a:pPr lvl="1"/>
-            <a:r>
-              <a:rPr lang="en-US" sz="2000" dirty="0"/>
-              <a:t>Registration and Login</a:t>
-            </a:r>
-          </a:p>
-          <a:p>
-            <a:pPr lvl="1"/>
-            <a:r>
-              <a:rPr lang="en-US" sz="2000" dirty="0"/>
-              <a:t>Request privilege for transaction</a:t>
-            </a:r>
-          </a:p>
-          <a:p>
-            <a:pPr lvl="1"/>
-            <a:r>
-              <a:rPr lang="en-US" sz="2000" dirty="0"/>
-              <a:t>Send document</a:t>
-            </a:r>
-          </a:p>
-          <a:p>
-            <a:pPr lvl="1"/>
-            <a:r>
-              <a:rPr lang="en-US" sz="2000" dirty="0"/>
-              <a:t>List of users who has been requested the transaction and status of the request</a:t>
-            </a:r>
-          </a:p>
-          <a:p>
-            <a:endParaRPr lang="en-US" sz="2400" dirty="0"/>
+              <a:t>With </a:t>
+            </a:r>
+            <a:r>
+              <a:rPr lang="en-US" sz="2400" b="1" dirty="0">
+                <a:solidFill>
+                  <a:srgbClr val="FF5E00"/>
+                </a:solidFill>
+              </a:rPr>
+              <a:t>eDocs</a:t>
+            </a:r>
+            <a:r>
+              <a:rPr lang="en-US" sz="2400" dirty="0"/>
+              <a:t> all documents will be in the same place and you’ll be able to view them, download them or resend to other users.</a:t>
+            </a:r>
+          </a:p>
+          <a:p>
+            <a:pPr marL="0" indent="0" algn="just">
+              <a:buNone/>
+            </a:pPr>
+            <a:r>
+              <a:rPr lang="en-US" sz="2400" b="1" dirty="0">
+                <a:solidFill>
+                  <a:srgbClr val="FF5E00"/>
+                </a:solidFill>
+              </a:rPr>
+              <a:t>eDocs</a:t>
+            </a:r>
+            <a:r>
+              <a:rPr lang="en-US" sz="2400" dirty="0"/>
+              <a:t> allows you to decide who can send you documents, having total control to accept or reject documents from other users if you are not interested </a:t>
+            </a:r>
           </a:p>
         </p:txBody>
       </p:sp>
       <p:pic>
         <p:nvPicPr>
-          <p:cNvPr id="13" name="Imagen 12"/>
+          <p:cNvPr id="7" name="Imagen 6">
+            <a:extLst>
+              <a:ext uri="{FF2B5EF4-FFF2-40B4-BE49-F238E27FC236}">
+                <a16:creationId xmlns:a16="http://schemas.microsoft.com/office/drawing/2014/main" id="{624478FB-DCFC-4C48-82BE-62536620BAFD}"/>
+              </a:ext>
+            </a:extLst>
+          </p:cNvPr>
           <p:cNvPicPr>
             <a:picLocks noChangeAspect="1"/>
           </p:cNvPicPr>
@@ -4177,8 +4628,1458 @@
         </p:blipFill>
         <p:spPr>
           <a:xfrm>
-            <a:off x="11469704" y="49638"/>
+            <a:off x="134595" y="118649"/>
             <a:ext cx="646094" cy="211618"/>
+          </a:xfrm>
+          <a:prstGeom prst="rect">
+            <a:avLst/>
+          </a:prstGeom>
+        </p:spPr>
+      </p:pic>
+      <p:pic>
+        <p:nvPicPr>
+          <p:cNvPr id="8" name="Imagen 7">
+            <a:extLst>
+              <a:ext uri="{FF2B5EF4-FFF2-40B4-BE49-F238E27FC236}">
+                <a16:creationId xmlns:a16="http://schemas.microsoft.com/office/drawing/2014/main" id="{5DDDE83C-C7B9-4C8E-A5C2-A322CC9D9E23}"/>
+              </a:ext>
+            </a:extLst>
+          </p:cNvPr>
+          <p:cNvPicPr>
+            <a:picLocks noChangeAspect="1"/>
+          </p:cNvPicPr>
+          <p:nvPr/>
+        </p:nvPicPr>
+        <p:blipFill>
+          <a:blip r:embed="rId3">
+            <a:extLst>
+              <a:ext uri="{28A0092B-C50C-407E-A947-70E740481C1C}">
+                <a14:useLocalDpi xmlns:a14="http://schemas.microsoft.com/office/drawing/2010/main" val="0"/>
+              </a:ext>
+            </a:extLst>
+          </a:blip>
+          <a:stretch>
+            <a:fillRect/>
+          </a:stretch>
+        </p:blipFill>
+        <p:spPr>
+          <a:xfrm>
+            <a:off x="11706045" y="12752"/>
+            <a:ext cx="423412" cy="423412"/>
+          </a:xfrm>
+          <a:prstGeom prst="rect">
+            <a:avLst/>
+          </a:prstGeom>
+        </p:spPr>
+      </p:pic>
+      <p:pic>
+        <p:nvPicPr>
+          <p:cNvPr id="9" name="Imagen 8">
+            <a:extLst>
+              <a:ext uri="{FF2B5EF4-FFF2-40B4-BE49-F238E27FC236}">
+                <a16:creationId xmlns:a16="http://schemas.microsoft.com/office/drawing/2014/main" id="{BF36D939-7AB9-4D0B-B18B-E08113699152}"/>
+              </a:ext>
+            </a:extLst>
+          </p:cNvPr>
+          <p:cNvPicPr>
+            <a:picLocks noChangeAspect="1"/>
+          </p:cNvPicPr>
+          <p:nvPr/>
+        </p:nvPicPr>
+        <p:blipFill>
+          <a:blip r:embed="rId4">
+            <a:extLst>
+              <a:ext uri="{28A0092B-C50C-407E-A947-70E740481C1C}">
+                <a14:useLocalDpi xmlns:a14="http://schemas.microsoft.com/office/drawing/2010/main" val="0"/>
+              </a:ext>
+            </a:extLst>
+          </a:blip>
+          <a:stretch>
+            <a:fillRect/>
+          </a:stretch>
+        </p:blipFill>
+        <p:spPr>
+          <a:xfrm>
+            <a:off x="7809598" y="4316965"/>
+            <a:ext cx="801666" cy="801666"/>
+          </a:xfrm>
+          <a:prstGeom prst="rect">
+            <a:avLst/>
+          </a:prstGeom>
+        </p:spPr>
+      </p:pic>
+      <p:pic>
+        <p:nvPicPr>
+          <p:cNvPr id="10" name="Picture 6" descr="Resultado de imagen de user blue png">
+            <a:extLst>
+              <a:ext uri="{FF2B5EF4-FFF2-40B4-BE49-F238E27FC236}">
+                <a16:creationId xmlns:a16="http://schemas.microsoft.com/office/drawing/2014/main" id="{1282385E-A268-4EF2-BC66-D4CB7D5321A9}"/>
+              </a:ext>
+            </a:extLst>
+          </p:cNvPr>
+          <p:cNvPicPr>
+            <a:picLocks noChangeAspect="1" noChangeArrowheads="1"/>
+          </p:cNvPicPr>
+          <p:nvPr/>
+        </p:nvPicPr>
+        <p:blipFill>
+          <a:blip r:embed="rId5">
+            <a:extLst>
+              <a:ext uri="{BEBA8EAE-BF5A-486C-A8C5-ECC9F3942E4B}">
+                <a14:imgProps xmlns:a14="http://schemas.microsoft.com/office/drawing/2010/main">
+                  <a14:imgLayer r:embed="rId6">
+                    <a14:imgEffect>
+                      <a14:colorTemperature colorTemp="8960"/>
+                    </a14:imgEffect>
+                  </a14:imgLayer>
+                </a14:imgProps>
+              </a:ext>
+              <a:ext uri="{28A0092B-C50C-407E-A947-70E740481C1C}">
+                <a14:useLocalDpi xmlns:a14="http://schemas.microsoft.com/office/drawing/2010/main" val="0"/>
+              </a:ext>
+            </a:extLst>
+          </a:blip>
+          <a:srcRect/>
+          <a:stretch>
+            <a:fillRect/>
+          </a:stretch>
+        </p:blipFill>
+        <p:spPr bwMode="auto">
+          <a:xfrm>
+            <a:off x="7649817" y="5395536"/>
+            <a:ext cx="1121229" cy="1121229"/>
+          </a:xfrm>
+          <a:prstGeom prst="rect">
+            <a:avLst/>
+          </a:prstGeom>
+          <a:noFill/>
+          <a:ln>
+            <a:solidFill>
+              <a:schemeClr val="bg1"/>
+            </a:solidFill>
+          </a:ln>
+          <a:extLst>
+            <a:ext uri="{909E8E84-426E-40DD-AFC4-6F175D3DCCD1}">
+              <a14:hiddenFill xmlns:a14="http://schemas.microsoft.com/office/drawing/2010/main">
+                <a:solidFill>
+                  <a:srgbClr val="FFFFFF"/>
+                </a:solidFill>
+              </a14:hiddenFill>
+            </a:ext>
+          </a:extLst>
+        </p:spPr>
+      </p:pic>
+      <p:grpSp>
+        <p:nvGrpSpPr>
+          <p:cNvPr id="64" name="Grupo 63">
+            <a:extLst>
+              <a:ext uri="{FF2B5EF4-FFF2-40B4-BE49-F238E27FC236}">
+                <a16:creationId xmlns:a16="http://schemas.microsoft.com/office/drawing/2014/main" id="{9180B4F6-6FD9-43EE-B4B1-201E57578AE5}"/>
+              </a:ext>
+            </a:extLst>
+          </p:cNvPr>
+          <p:cNvGrpSpPr/>
+          <p:nvPr/>
+        </p:nvGrpSpPr>
+        <p:grpSpPr>
+          <a:xfrm>
+            <a:off x="4702870" y="4901378"/>
+            <a:ext cx="608070" cy="608070"/>
+            <a:chOff x="1544273" y="3225439"/>
+            <a:chExt cx="608070" cy="608070"/>
+          </a:xfrm>
+        </p:grpSpPr>
+        <p:sp>
+          <p:nvSpPr>
+            <p:cNvPr id="15" name="Elipse 14">
+              <a:extLst>
+                <a:ext uri="{FF2B5EF4-FFF2-40B4-BE49-F238E27FC236}">
+                  <a16:creationId xmlns:a16="http://schemas.microsoft.com/office/drawing/2014/main" id="{E3D1EAC6-F917-441F-A858-8D8FB39E9591}"/>
+                </a:ext>
+              </a:extLst>
+            </p:cNvPr>
+            <p:cNvSpPr/>
+            <p:nvPr/>
+          </p:nvSpPr>
+          <p:spPr>
+            <a:xfrm>
+              <a:off x="1544273" y="3225439"/>
+              <a:ext cx="608070" cy="608070"/>
+            </a:xfrm>
+            <a:prstGeom prst="ellipse">
+              <a:avLst/>
+            </a:prstGeom>
+            <a:noFill/>
+            <a:ln w="50800">
+              <a:solidFill>
+                <a:srgbClr val="FF5E00"/>
+              </a:solidFill>
+            </a:ln>
+          </p:spPr>
+          <p:style>
+            <a:lnRef idx="2">
+              <a:schemeClr val="accent1">
+                <a:shade val="50%"/>
+              </a:schemeClr>
+            </a:lnRef>
+            <a:fillRef idx="1">
+              <a:schemeClr val="accent1"/>
+            </a:fillRef>
+            <a:effectRef idx="0">
+              <a:schemeClr val="accent1"/>
+            </a:effectRef>
+            <a:fontRef idx="minor">
+              <a:schemeClr val="lt1"/>
+            </a:fontRef>
+          </p:style>
+          <p:txBody>
+            <a:bodyPr rtlCol="0" anchor="ctr"/>
+            <a:lstStyle/>
+            <a:p>
+              <a:pPr algn="ctr"/>
+              <a:endParaRPr lang="es-ES"/>
+            </a:p>
+          </p:txBody>
+        </p:sp>
+        <p:pic>
+          <p:nvPicPr>
+            <p:cNvPr id="44" name="Imagen 43">
+              <a:extLst>
+                <a:ext uri="{FF2B5EF4-FFF2-40B4-BE49-F238E27FC236}">
+                  <a16:creationId xmlns:a16="http://schemas.microsoft.com/office/drawing/2014/main" id="{2B1363C1-6693-4AAC-8233-FFE01734E02B}"/>
+                </a:ext>
+              </a:extLst>
+            </p:cNvPr>
+            <p:cNvPicPr>
+              <a:picLocks noChangeAspect="1"/>
+            </p:cNvPicPr>
+            <p:nvPr/>
+          </p:nvPicPr>
+          <p:blipFill>
+            <a:blip r:embed="rId7">
+              <a:extLst>
+                <a:ext uri="{28A0092B-C50C-407E-A947-70E740481C1C}">
+                  <a14:useLocalDpi xmlns:a14="http://schemas.microsoft.com/office/drawing/2010/main" val="0"/>
+                </a:ext>
+              </a:extLst>
+            </a:blip>
+            <a:stretch>
+              <a:fillRect/>
+            </a:stretch>
+          </p:blipFill>
+          <p:spPr>
+            <a:xfrm>
+              <a:off x="1637844" y="3326282"/>
+              <a:ext cx="420927" cy="420927"/>
+            </a:xfrm>
+            <a:prstGeom prst="rect">
+              <a:avLst/>
+            </a:prstGeom>
+          </p:spPr>
+        </p:pic>
+      </p:grpSp>
+      <p:grpSp>
+        <p:nvGrpSpPr>
+          <p:cNvPr id="63" name="Grupo 62">
+            <a:extLst>
+              <a:ext uri="{FF2B5EF4-FFF2-40B4-BE49-F238E27FC236}">
+                <a16:creationId xmlns:a16="http://schemas.microsoft.com/office/drawing/2014/main" id="{CACD7D8B-3F97-4A11-A792-A2A118CC043C}"/>
+              </a:ext>
+            </a:extLst>
+          </p:cNvPr>
+          <p:cNvGrpSpPr/>
+          <p:nvPr/>
+        </p:nvGrpSpPr>
+        <p:grpSpPr>
+          <a:xfrm>
+            <a:off x="3206454" y="4349043"/>
+            <a:ext cx="608070" cy="608070"/>
+            <a:chOff x="1529054" y="4059475"/>
+            <a:chExt cx="608070" cy="608070"/>
+          </a:xfrm>
+        </p:grpSpPr>
+        <p:sp>
+          <p:nvSpPr>
+            <p:cNvPr id="18" name="Elipse 17">
+              <a:extLst>
+                <a:ext uri="{FF2B5EF4-FFF2-40B4-BE49-F238E27FC236}">
+                  <a16:creationId xmlns:a16="http://schemas.microsoft.com/office/drawing/2014/main" id="{33BBE1FE-63C9-4C93-A2FA-D23D70E5CE1B}"/>
+                </a:ext>
+              </a:extLst>
+            </p:cNvPr>
+            <p:cNvSpPr/>
+            <p:nvPr/>
+          </p:nvSpPr>
+          <p:spPr>
+            <a:xfrm>
+              <a:off x="1529054" y="4059475"/>
+              <a:ext cx="608070" cy="608070"/>
+            </a:xfrm>
+            <a:prstGeom prst="ellipse">
+              <a:avLst/>
+            </a:prstGeom>
+            <a:noFill/>
+            <a:ln w="50800">
+              <a:solidFill>
+                <a:srgbClr val="FF5E00"/>
+              </a:solidFill>
+            </a:ln>
+          </p:spPr>
+          <p:style>
+            <a:lnRef idx="2">
+              <a:schemeClr val="accent1">
+                <a:shade val="50%"/>
+              </a:schemeClr>
+            </a:lnRef>
+            <a:fillRef idx="1">
+              <a:schemeClr val="accent1"/>
+            </a:fillRef>
+            <a:effectRef idx="0">
+              <a:schemeClr val="accent1"/>
+            </a:effectRef>
+            <a:fontRef idx="minor">
+              <a:schemeClr val="lt1"/>
+            </a:fontRef>
+          </p:style>
+          <p:txBody>
+            <a:bodyPr rtlCol="0" anchor="ctr"/>
+            <a:lstStyle/>
+            <a:p>
+              <a:pPr algn="ctr"/>
+              <a:endParaRPr lang="es-ES"/>
+            </a:p>
+          </p:txBody>
+        </p:sp>
+        <p:pic>
+          <p:nvPicPr>
+            <p:cNvPr id="46" name="Imagen 45">
+              <a:extLst>
+                <a:ext uri="{FF2B5EF4-FFF2-40B4-BE49-F238E27FC236}">
+                  <a16:creationId xmlns:a16="http://schemas.microsoft.com/office/drawing/2014/main" id="{955336FE-F97F-4258-838D-2B033DF410B7}"/>
+                </a:ext>
+              </a:extLst>
+            </p:cNvPr>
+            <p:cNvPicPr>
+              <a:picLocks noChangeAspect="1"/>
+            </p:cNvPicPr>
+            <p:nvPr/>
+          </p:nvPicPr>
+          <p:blipFill>
+            <a:blip r:embed="rId8">
+              <a:extLst>
+                <a:ext uri="{28A0092B-C50C-407E-A947-70E740481C1C}">
+                  <a14:useLocalDpi xmlns:a14="http://schemas.microsoft.com/office/drawing/2010/main" val="0"/>
+                </a:ext>
+              </a:extLst>
+            </a:blip>
+            <a:stretch>
+              <a:fillRect/>
+            </a:stretch>
+          </p:blipFill>
+          <p:spPr>
+            <a:xfrm>
+              <a:off x="1624035" y="4190385"/>
+              <a:ext cx="416136" cy="416136"/>
+            </a:xfrm>
+            <a:prstGeom prst="rect">
+              <a:avLst/>
+            </a:prstGeom>
+          </p:spPr>
+        </p:pic>
+      </p:grpSp>
+      <p:grpSp>
+        <p:nvGrpSpPr>
+          <p:cNvPr id="66" name="Grupo 65">
+            <a:extLst>
+              <a:ext uri="{FF2B5EF4-FFF2-40B4-BE49-F238E27FC236}">
+                <a16:creationId xmlns:a16="http://schemas.microsoft.com/office/drawing/2014/main" id="{A7477FA4-0AC8-4FE7-9229-A660E157C07D}"/>
+              </a:ext>
+            </a:extLst>
+          </p:cNvPr>
+          <p:cNvGrpSpPr/>
+          <p:nvPr/>
+        </p:nvGrpSpPr>
+        <p:grpSpPr>
+          <a:xfrm>
+            <a:off x="4068056" y="4349238"/>
+            <a:ext cx="608070" cy="608070"/>
+            <a:chOff x="1524139" y="5921781"/>
+            <a:chExt cx="608070" cy="608070"/>
+          </a:xfrm>
+        </p:grpSpPr>
+        <p:sp>
+          <p:nvSpPr>
+            <p:cNvPr id="24" name="Elipse 23">
+              <a:extLst>
+                <a:ext uri="{FF2B5EF4-FFF2-40B4-BE49-F238E27FC236}">
+                  <a16:creationId xmlns:a16="http://schemas.microsoft.com/office/drawing/2014/main" id="{4C543A74-CEFB-4564-BB94-44875CB853A7}"/>
+                </a:ext>
+              </a:extLst>
+            </p:cNvPr>
+            <p:cNvSpPr/>
+            <p:nvPr/>
+          </p:nvSpPr>
+          <p:spPr>
+            <a:xfrm>
+              <a:off x="1524139" y="5921781"/>
+              <a:ext cx="608070" cy="608070"/>
+            </a:xfrm>
+            <a:prstGeom prst="ellipse">
+              <a:avLst/>
+            </a:prstGeom>
+            <a:noFill/>
+            <a:ln w="50800">
+              <a:solidFill>
+                <a:srgbClr val="FF5E00"/>
+              </a:solidFill>
+            </a:ln>
+          </p:spPr>
+          <p:style>
+            <a:lnRef idx="2">
+              <a:schemeClr val="accent1">
+                <a:shade val="50%"/>
+              </a:schemeClr>
+            </a:lnRef>
+            <a:fillRef idx="1">
+              <a:schemeClr val="accent1"/>
+            </a:fillRef>
+            <a:effectRef idx="0">
+              <a:schemeClr val="accent1"/>
+            </a:effectRef>
+            <a:fontRef idx="minor">
+              <a:schemeClr val="lt1"/>
+            </a:fontRef>
+          </p:style>
+          <p:txBody>
+            <a:bodyPr rtlCol="0" anchor="ctr"/>
+            <a:lstStyle/>
+            <a:p>
+              <a:pPr algn="ctr"/>
+              <a:endParaRPr lang="es-ES"/>
+            </a:p>
+          </p:txBody>
+        </p:sp>
+        <p:pic>
+          <p:nvPicPr>
+            <p:cNvPr id="48" name="Imagen 47">
+              <a:extLst>
+                <a:ext uri="{FF2B5EF4-FFF2-40B4-BE49-F238E27FC236}">
+                  <a16:creationId xmlns:a16="http://schemas.microsoft.com/office/drawing/2014/main" id="{79FA84C8-4A81-44C8-A94C-2C58D12FA961}"/>
+                </a:ext>
+              </a:extLst>
+            </p:cNvPr>
+            <p:cNvPicPr>
+              <a:picLocks noChangeAspect="1"/>
+            </p:cNvPicPr>
+            <p:nvPr/>
+          </p:nvPicPr>
+          <p:blipFill>
+            <a:blip r:embed="rId9">
+              <a:extLst>
+                <a:ext uri="{28A0092B-C50C-407E-A947-70E740481C1C}">
+                  <a14:useLocalDpi xmlns:a14="http://schemas.microsoft.com/office/drawing/2010/main" val="0"/>
+                </a:ext>
+              </a:extLst>
+            </a:blip>
+            <a:stretch>
+              <a:fillRect/>
+            </a:stretch>
+          </p:blipFill>
+          <p:spPr>
+            <a:xfrm>
+              <a:off x="1674341" y="6051850"/>
+              <a:ext cx="347932" cy="347932"/>
+            </a:xfrm>
+            <a:prstGeom prst="rect">
+              <a:avLst/>
+            </a:prstGeom>
+          </p:spPr>
+        </p:pic>
+      </p:grpSp>
+      <p:grpSp>
+        <p:nvGrpSpPr>
+          <p:cNvPr id="65" name="Grupo 64">
+            <a:extLst>
+              <a:ext uri="{FF2B5EF4-FFF2-40B4-BE49-F238E27FC236}">
+                <a16:creationId xmlns:a16="http://schemas.microsoft.com/office/drawing/2014/main" id="{30AA670E-DB5E-4B0A-B2B4-3A246C3F5EEF}"/>
+              </a:ext>
+            </a:extLst>
+          </p:cNvPr>
+          <p:cNvGrpSpPr/>
+          <p:nvPr/>
+        </p:nvGrpSpPr>
+        <p:grpSpPr>
+          <a:xfrm>
+            <a:off x="2576414" y="4901378"/>
+            <a:ext cx="608070" cy="608070"/>
+            <a:chOff x="1524139" y="5024421"/>
+            <a:chExt cx="608070" cy="608070"/>
+          </a:xfrm>
+        </p:grpSpPr>
+        <p:sp>
+          <p:nvSpPr>
+            <p:cNvPr id="21" name="Elipse 20">
+              <a:extLst>
+                <a:ext uri="{FF2B5EF4-FFF2-40B4-BE49-F238E27FC236}">
+                  <a16:creationId xmlns:a16="http://schemas.microsoft.com/office/drawing/2014/main" id="{40751B96-F7AB-4948-BF01-A9BF237950C9}"/>
+                </a:ext>
+              </a:extLst>
+            </p:cNvPr>
+            <p:cNvSpPr/>
+            <p:nvPr/>
+          </p:nvSpPr>
+          <p:spPr>
+            <a:xfrm>
+              <a:off x="1524139" y="5024421"/>
+              <a:ext cx="608070" cy="608070"/>
+            </a:xfrm>
+            <a:prstGeom prst="ellipse">
+              <a:avLst/>
+            </a:prstGeom>
+            <a:noFill/>
+            <a:ln w="50800">
+              <a:solidFill>
+                <a:srgbClr val="FF5E00"/>
+              </a:solidFill>
+            </a:ln>
+          </p:spPr>
+          <p:style>
+            <a:lnRef idx="2">
+              <a:schemeClr val="accent1">
+                <a:shade val="50%"/>
+              </a:schemeClr>
+            </a:lnRef>
+            <a:fillRef idx="1">
+              <a:schemeClr val="accent1"/>
+            </a:fillRef>
+            <a:effectRef idx="0">
+              <a:schemeClr val="accent1"/>
+            </a:effectRef>
+            <a:fontRef idx="minor">
+              <a:schemeClr val="lt1"/>
+            </a:fontRef>
+          </p:style>
+          <p:txBody>
+            <a:bodyPr rtlCol="0" anchor="ctr"/>
+            <a:lstStyle/>
+            <a:p>
+              <a:pPr algn="ctr"/>
+              <a:endParaRPr lang="es-ES"/>
+            </a:p>
+          </p:txBody>
+        </p:sp>
+        <p:pic>
+          <p:nvPicPr>
+            <p:cNvPr id="50" name="Imagen 49">
+              <a:extLst>
+                <a:ext uri="{FF2B5EF4-FFF2-40B4-BE49-F238E27FC236}">
+                  <a16:creationId xmlns:a16="http://schemas.microsoft.com/office/drawing/2014/main" id="{B96F7CB9-2681-42B0-8CA4-9910B6CE8DB7}"/>
+                </a:ext>
+              </a:extLst>
+            </p:cNvPr>
+            <p:cNvPicPr>
+              <a:picLocks noChangeAspect="1"/>
+            </p:cNvPicPr>
+            <p:nvPr/>
+          </p:nvPicPr>
+          <p:blipFill>
+            <a:blip r:embed="rId10">
+              <a:biLevel thresh="50%"/>
+              <a:extLst>
+                <a:ext uri="{28A0092B-C50C-407E-A947-70E740481C1C}">
+                  <a14:useLocalDpi xmlns:a14="http://schemas.microsoft.com/office/drawing/2010/main" val="0"/>
+                </a:ext>
+              </a:extLst>
+            </a:blip>
+            <a:stretch>
+              <a:fillRect/>
+            </a:stretch>
+          </p:blipFill>
+          <p:spPr>
+            <a:xfrm>
+              <a:off x="1656885" y="5120110"/>
+              <a:ext cx="383286" cy="383286"/>
+            </a:xfrm>
+            <a:prstGeom prst="rect">
+              <a:avLst/>
+            </a:prstGeom>
+          </p:spPr>
+        </p:pic>
+      </p:grpSp>
+      <p:grpSp>
+        <p:nvGrpSpPr>
+          <p:cNvPr id="62" name="Grupo 61">
+            <a:extLst>
+              <a:ext uri="{FF2B5EF4-FFF2-40B4-BE49-F238E27FC236}">
+                <a16:creationId xmlns:a16="http://schemas.microsoft.com/office/drawing/2014/main" id="{7D7E4B27-7C1B-46FB-8C00-A7AB9937B49C}"/>
+              </a:ext>
+            </a:extLst>
+          </p:cNvPr>
+          <p:cNvGrpSpPr/>
+          <p:nvPr/>
+        </p:nvGrpSpPr>
+        <p:grpSpPr>
+          <a:xfrm>
+            <a:off x="3405919" y="5206087"/>
+            <a:ext cx="1121229" cy="1290922"/>
+            <a:chOff x="3411866" y="3945757"/>
+            <a:chExt cx="1121229" cy="1290922"/>
+          </a:xfrm>
+        </p:grpSpPr>
+        <p:pic>
+          <p:nvPicPr>
+            <p:cNvPr id="36" name="Picture 6" descr="Resultado de imagen de user blue png">
+              <a:extLst>
+                <a:ext uri="{FF2B5EF4-FFF2-40B4-BE49-F238E27FC236}">
+                  <a16:creationId xmlns:a16="http://schemas.microsoft.com/office/drawing/2014/main" id="{7CA04504-7DBD-436B-A772-475C2F751AB2}"/>
+                </a:ext>
+              </a:extLst>
+            </p:cNvPr>
+            <p:cNvPicPr>
+              <a:picLocks noChangeAspect="1" noChangeArrowheads="1"/>
+            </p:cNvPicPr>
+            <p:nvPr/>
+          </p:nvPicPr>
+          <p:blipFill>
+            <a:blip r:embed="rId5">
+              <a:extLst>
+                <a:ext uri="{BEBA8EAE-BF5A-486C-A8C5-ECC9F3942E4B}">
+                  <a14:imgProps xmlns:a14="http://schemas.microsoft.com/office/drawing/2010/main">
+                    <a14:imgLayer r:embed="rId6">
+                      <a14:imgEffect>
+                        <a14:colorTemperature colorTemp="8960"/>
+                      </a14:imgEffect>
+                    </a14:imgLayer>
+                  </a14:imgProps>
+                </a:ext>
+                <a:ext uri="{28A0092B-C50C-407E-A947-70E740481C1C}">
+                  <a14:useLocalDpi xmlns:a14="http://schemas.microsoft.com/office/drawing/2010/main" val="0"/>
+                </a:ext>
+              </a:extLst>
+            </a:blip>
+            <a:srcRect/>
+            <a:stretch>
+              <a:fillRect/>
+            </a:stretch>
+          </p:blipFill>
+          <p:spPr bwMode="auto">
+            <a:xfrm>
+              <a:off x="3411866" y="4115450"/>
+              <a:ext cx="1121229" cy="1121229"/>
+            </a:xfrm>
+            <a:prstGeom prst="rect">
+              <a:avLst/>
+            </a:prstGeom>
+            <a:noFill/>
+            <a:ln>
+              <a:solidFill>
+                <a:schemeClr val="bg1"/>
+              </a:solidFill>
+            </a:ln>
+            <a:extLst>
+              <a:ext uri="{909E8E84-426E-40DD-AFC4-6F175D3DCCD1}">
+                <a14:hiddenFill xmlns:a14="http://schemas.microsoft.com/office/drawing/2010/main">
+                  <a:solidFill>
+                    <a:srgbClr val="FFFFFF"/>
+                  </a:solidFill>
+                </a14:hiddenFill>
+              </a:ext>
+            </a:extLst>
+          </p:spPr>
+        </p:pic>
+        <p:sp>
+          <p:nvSpPr>
+            <p:cNvPr id="51" name="Rectángulo 50">
+              <a:extLst>
+                <a:ext uri="{FF2B5EF4-FFF2-40B4-BE49-F238E27FC236}">
+                  <a16:creationId xmlns:a16="http://schemas.microsoft.com/office/drawing/2014/main" id="{814B7FAE-0ED4-4AF9-B7FB-E38F5411B9F6}"/>
+                </a:ext>
+              </a:extLst>
+            </p:cNvPr>
+            <p:cNvSpPr/>
+            <p:nvPr/>
+          </p:nvSpPr>
+          <p:spPr>
+            <a:xfrm rot="18532112">
+              <a:off x="3664001" y="4050981"/>
+              <a:ext cx="45719" cy="141175"/>
+            </a:xfrm>
+            <a:prstGeom prst="rect">
+              <a:avLst/>
+            </a:prstGeom>
+            <a:solidFill>
+              <a:srgbClr val="FF0000"/>
+            </a:solidFill>
+            <a:ln>
+              <a:noFill/>
+            </a:ln>
+          </p:spPr>
+          <p:style>
+            <a:lnRef idx="2">
+              <a:schemeClr val="accent1">
+                <a:shade val="50%"/>
+              </a:schemeClr>
+            </a:lnRef>
+            <a:fillRef idx="1">
+              <a:schemeClr val="accent1"/>
+            </a:fillRef>
+            <a:effectRef idx="0">
+              <a:schemeClr val="accent1"/>
+            </a:effectRef>
+            <a:fontRef idx="minor">
+              <a:schemeClr val="lt1"/>
+            </a:fontRef>
+          </p:style>
+          <p:txBody>
+            <a:bodyPr rtlCol="0" anchor="ctr"/>
+            <a:lstStyle/>
+            <a:p>
+              <a:pPr algn="ctr"/>
+              <a:endParaRPr lang="es-ES"/>
+            </a:p>
+          </p:txBody>
+        </p:sp>
+        <p:sp>
+          <p:nvSpPr>
+            <p:cNvPr id="52" name="Rectángulo 51">
+              <a:extLst>
+                <a:ext uri="{FF2B5EF4-FFF2-40B4-BE49-F238E27FC236}">
+                  <a16:creationId xmlns:a16="http://schemas.microsoft.com/office/drawing/2014/main" id="{0E420ECE-A965-411E-92FA-4B15E6F1491C}"/>
+                </a:ext>
+              </a:extLst>
+            </p:cNvPr>
+            <p:cNvSpPr/>
+            <p:nvPr/>
+          </p:nvSpPr>
+          <p:spPr>
+            <a:xfrm rot="20051238">
+              <a:off x="3797612" y="3976033"/>
+              <a:ext cx="45719" cy="141175"/>
+            </a:xfrm>
+            <a:prstGeom prst="rect">
+              <a:avLst/>
+            </a:prstGeom>
+            <a:solidFill>
+              <a:srgbClr val="FF0000"/>
+            </a:solidFill>
+            <a:ln>
+              <a:noFill/>
+            </a:ln>
+          </p:spPr>
+          <p:style>
+            <a:lnRef idx="2">
+              <a:schemeClr val="accent1">
+                <a:shade val="50%"/>
+              </a:schemeClr>
+            </a:lnRef>
+            <a:fillRef idx="1">
+              <a:schemeClr val="accent1"/>
+            </a:fillRef>
+            <a:effectRef idx="0">
+              <a:schemeClr val="accent1"/>
+            </a:effectRef>
+            <a:fontRef idx="minor">
+              <a:schemeClr val="lt1"/>
+            </a:fontRef>
+          </p:style>
+          <p:txBody>
+            <a:bodyPr rtlCol="0" anchor="ctr"/>
+            <a:lstStyle/>
+            <a:p>
+              <a:pPr algn="ctr"/>
+              <a:endParaRPr lang="es-ES"/>
+            </a:p>
+          </p:txBody>
+        </p:sp>
+        <p:sp>
+          <p:nvSpPr>
+            <p:cNvPr id="53" name="Rectángulo 52">
+              <a:extLst>
+                <a:ext uri="{FF2B5EF4-FFF2-40B4-BE49-F238E27FC236}">
+                  <a16:creationId xmlns:a16="http://schemas.microsoft.com/office/drawing/2014/main" id="{303486C2-D505-410C-A7AF-8BB0EDBBE37E}"/>
+                </a:ext>
+              </a:extLst>
+            </p:cNvPr>
+            <p:cNvSpPr/>
+            <p:nvPr/>
+          </p:nvSpPr>
+          <p:spPr>
+            <a:xfrm>
+              <a:off x="3961310" y="3945757"/>
+              <a:ext cx="45719" cy="141175"/>
+            </a:xfrm>
+            <a:prstGeom prst="rect">
+              <a:avLst/>
+            </a:prstGeom>
+            <a:solidFill>
+              <a:srgbClr val="FF0000"/>
+            </a:solidFill>
+            <a:ln>
+              <a:noFill/>
+            </a:ln>
+          </p:spPr>
+          <p:style>
+            <a:lnRef idx="2">
+              <a:schemeClr val="accent1">
+                <a:shade val="50%"/>
+              </a:schemeClr>
+            </a:lnRef>
+            <a:fillRef idx="1">
+              <a:schemeClr val="accent1"/>
+            </a:fillRef>
+            <a:effectRef idx="0">
+              <a:schemeClr val="accent1"/>
+            </a:effectRef>
+            <a:fontRef idx="minor">
+              <a:schemeClr val="lt1"/>
+            </a:fontRef>
+          </p:style>
+          <p:txBody>
+            <a:bodyPr rtlCol="0" anchor="ctr"/>
+            <a:lstStyle/>
+            <a:p>
+              <a:pPr algn="ctr"/>
+              <a:endParaRPr lang="es-ES"/>
+            </a:p>
+          </p:txBody>
+        </p:sp>
+        <p:sp>
+          <p:nvSpPr>
+            <p:cNvPr id="54" name="Rectángulo 53">
+              <a:extLst>
+                <a:ext uri="{FF2B5EF4-FFF2-40B4-BE49-F238E27FC236}">
+                  <a16:creationId xmlns:a16="http://schemas.microsoft.com/office/drawing/2014/main" id="{87EBCEC9-49BE-4675-95FD-7A5FBB2C1405}"/>
+                </a:ext>
+              </a:extLst>
+            </p:cNvPr>
+            <p:cNvSpPr/>
+            <p:nvPr/>
+          </p:nvSpPr>
+          <p:spPr>
+            <a:xfrm rot="1516171">
+              <a:off x="4128777" y="3976032"/>
+              <a:ext cx="45719" cy="141175"/>
+            </a:xfrm>
+            <a:prstGeom prst="rect">
+              <a:avLst/>
+            </a:prstGeom>
+            <a:solidFill>
+              <a:srgbClr val="FF0000"/>
+            </a:solidFill>
+            <a:ln>
+              <a:noFill/>
+            </a:ln>
+          </p:spPr>
+          <p:style>
+            <a:lnRef idx="2">
+              <a:schemeClr val="accent1">
+                <a:shade val="50%"/>
+              </a:schemeClr>
+            </a:lnRef>
+            <a:fillRef idx="1">
+              <a:schemeClr val="accent1"/>
+            </a:fillRef>
+            <a:effectRef idx="0">
+              <a:schemeClr val="accent1"/>
+            </a:effectRef>
+            <a:fontRef idx="minor">
+              <a:schemeClr val="lt1"/>
+            </a:fontRef>
+          </p:style>
+          <p:txBody>
+            <a:bodyPr rtlCol="0" anchor="ctr"/>
+            <a:lstStyle/>
+            <a:p>
+              <a:pPr algn="ctr"/>
+              <a:endParaRPr lang="es-ES"/>
+            </a:p>
+          </p:txBody>
+        </p:sp>
+        <p:sp>
+          <p:nvSpPr>
+            <p:cNvPr id="55" name="Rectángulo 54">
+              <a:extLst>
+                <a:ext uri="{FF2B5EF4-FFF2-40B4-BE49-F238E27FC236}">
+                  <a16:creationId xmlns:a16="http://schemas.microsoft.com/office/drawing/2014/main" id="{51FE7F9A-8C10-49CA-8550-44B667EB84B7}"/>
+                </a:ext>
+              </a:extLst>
+            </p:cNvPr>
+            <p:cNvSpPr/>
+            <p:nvPr/>
+          </p:nvSpPr>
+          <p:spPr>
+            <a:xfrm rot="2533060">
+              <a:off x="4240537" y="4054836"/>
+              <a:ext cx="45719" cy="141175"/>
+            </a:xfrm>
+            <a:prstGeom prst="rect">
+              <a:avLst/>
+            </a:prstGeom>
+            <a:solidFill>
+              <a:srgbClr val="FF0000"/>
+            </a:solidFill>
+            <a:ln>
+              <a:noFill/>
+            </a:ln>
+          </p:spPr>
+          <p:style>
+            <a:lnRef idx="2">
+              <a:schemeClr val="accent1">
+                <a:shade val="50%"/>
+              </a:schemeClr>
+            </a:lnRef>
+            <a:fillRef idx="1">
+              <a:schemeClr val="accent1"/>
+            </a:fillRef>
+            <a:effectRef idx="0">
+              <a:schemeClr val="accent1"/>
+            </a:effectRef>
+            <a:fontRef idx="minor">
+              <a:schemeClr val="lt1"/>
+            </a:fontRef>
+          </p:style>
+          <p:txBody>
+            <a:bodyPr rtlCol="0" anchor="ctr"/>
+            <a:lstStyle/>
+            <a:p>
+              <a:pPr algn="ctr"/>
+              <a:endParaRPr lang="es-ES"/>
+            </a:p>
+          </p:txBody>
+        </p:sp>
+      </p:grpSp>
+    </p:spTree>
+    <p:extLst>
+      <p:ext uri="{BB962C8B-B14F-4D97-AF65-F5344CB8AC3E}">
+        <p14:creationId xmlns:p14="http://schemas.microsoft.com/office/powerpoint/2010/main" val="553662764"/>
+      </p:ext>
+    </p:extLst>
+  </p:cSld>
+  <p:clrMapOvr>
+    <a:masterClrMapping/>
+  </p:clrMapOvr>
+</p:sld>
+</file>
+
+<file path=ppt/slides/slide4.xml><?xml version="1.0" encoding="utf-8"?>
+<p:sld xmlns:a="http://purl.oclc.org/ooxml/drawingml/main" xmlns:r="http://purl.oclc.org/ooxml/officeDocument/relationships" xmlns:p="http://purl.oclc.org/ooxml/presentationml/main">
+  <p:cSld>
+    <p:spTree>
+      <p:nvGrpSpPr>
+        <p:cNvPr id="1" name=""/>
+        <p:cNvGrpSpPr/>
+        <p:nvPr/>
+      </p:nvGrpSpPr>
+      <p:grpSpPr>
+        <a:xfrm>
+          <a:off x="0" y="0"/>
+          <a:ext cx="0" cy="0"/>
+          <a:chOff x="0" y="0"/>
+          <a:chExt cx="0" cy="0"/>
+        </a:xfrm>
+      </p:grpSpPr>
+      <p:sp>
+        <p:nvSpPr>
+          <p:cNvPr id="5" name="Rectángulo 4"/>
+          <p:cNvSpPr/>
+          <p:nvPr/>
+        </p:nvSpPr>
+        <p:spPr>
+          <a:xfrm>
+            <a:off x="852810" y="617018"/>
+            <a:ext cx="6694268" cy="584775"/>
+          </a:xfrm>
+          <a:prstGeom prst="rect">
+            <a:avLst/>
+          </a:prstGeom>
+        </p:spPr>
+        <p:txBody>
+          <a:bodyPr wrap="none">
+            <a:spAutoFit/>
+          </a:bodyPr>
+          <a:lstStyle/>
+          <a:p>
+            <a:r>
+              <a:rPr lang="en-US" sz="3200" b="1" dirty="0">
+                <a:solidFill>
+                  <a:srgbClr val="FF5E00"/>
+                </a:solidFill>
+              </a:rPr>
+              <a:t>Will eDocs work with any document?</a:t>
+            </a:r>
+            <a:endParaRPr lang="es-ES" sz="3200" dirty="0"/>
+          </a:p>
+        </p:txBody>
+      </p:sp>
+      <p:sp>
+        <p:nvSpPr>
+          <p:cNvPr id="6" name="Marcador de contenido 2"/>
+          <p:cNvSpPr>
+            <a:spLocks noGrp="1"/>
+          </p:cNvSpPr>
+          <p:nvPr>
+            <p:ph idx="1"/>
+          </p:nvPr>
+        </p:nvSpPr>
+        <p:spPr>
+          <a:xfrm>
+            <a:off x="852810" y="1262743"/>
+            <a:ext cx="10602590" cy="2885910"/>
+          </a:xfrm>
+        </p:spPr>
+        <p:txBody>
+          <a:bodyPr>
+            <a:normAutofit/>
+          </a:bodyPr>
+          <a:lstStyle/>
+          <a:p>
+            <a:pPr marL="0" indent="0" algn="just">
+              <a:buNone/>
+            </a:pPr>
+            <a:r>
+              <a:rPr lang="en-US" sz="2400" b="1" dirty="0">
+                <a:solidFill>
+                  <a:srgbClr val="FF5E00"/>
+                </a:solidFill>
+              </a:rPr>
+              <a:t>eDocs</a:t>
+            </a:r>
+            <a:r>
+              <a:rPr lang="en-US" sz="2400" dirty="0"/>
+              <a:t> works with xml files instead of text documents as pdf, doc...</a:t>
+            </a:r>
+          </a:p>
+          <a:p>
+            <a:pPr marL="0" indent="0" algn="just">
+              <a:buNone/>
+            </a:pPr>
+            <a:r>
+              <a:rPr lang="en-US" sz="2400" dirty="0"/>
+              <a:t>This way, we can allow the users to have different templates to be used and, the most important, to connect </a:t>
+            </a:r>
+            <a:r>
+              <a:rPr lang="en-US" sz="2400" b="1" dirty="0">
+                <a:solidFill>
+                  <a:srgbClr val="FF5E00"/>
+                </a:solidFill>
+              </a:rPr>
+              <a:t>eDocs</a:t>
+            </a:r>
+            <a:r>
+              <a:rPr lang="en-US" sz="2400" dirty="0"/>
+              <a:t> with other systems for the automatic import and export of the document.</a:t>
+            </a:r>
+          </a:p>
+          <a:p>
+            <a:pPr marL="0" indent="0" algn="just">
+              <a:buNone/>
+            </a:pPr>
+            <a:r>
+              <a:rPr lang="en-US" sz="2400" dirty="0"/>
+              <a:t>The main idea is to reduce the time needed to manage all this documents for companies and the public institutions increasing the efficiency on paperwork.</a:t>
+            </a:r>
+          </a:p>
+        </p:txBody>
+      </p:sp>
+      <p:pic>
+        <p:nvPicPr>
+          <p:cNvPr id="7" name="Imagen 6">
+            <a:extLst>
+              <a:ext uri="{FF2B5EF4-FFF2-40B4-BE49-F238E27FC236}">
+                <a16:creationId xmlns:a16="http://schemas.microsoft.com/office/drawing/2014/main" id="{624478FB-DCFC-4C48-82BE-62536620BAFD}"/>
+              </a:ext>
+            </a:extLst>
+          </p:cNvPr>
+          <p:cNvPicPr>
+            <a:picLocks noChangeAspect="1"/>
+          </p:cNvPicPr>
+          <p:nvPr/>
+        </p:nvPicPr>
+        <p:blipFill>
+          <a:blip r:embed="rId2">
+            <a:extLst>
+              <a:ext uri="{28A0092B-C50C-407E-A947-70E740481C1C}">
+                <a14:useLocalDpi xmlns:a14="http://schemas.microsoft.com/office/drawing/2010/main" val="0"/>
+              </a:ext>
+            </a:extLst>
+          </a:blip>
+          <a:stretch>
+            <a:fillRect/>
+          </a:stretch>
+        </p:blipFill>
+        <p:spPr>
+          <a:xfrm>
+            <a:off x="134595" y="118649"/>
+            <a:ext cx="646094" cy="211618"/>
+          </a:xfrm>
+          <a:prstGeom prst="rect">
+            <a:avLst/>
+          </a:prstGeom>
+        </p:spPr>
+      </p:pic>
+      <p:pic>
+        <p:nvPicPr>
+          <p:cNvPr id="8" name="Imagen 7">
+            <a:extLst>
+              <a:ext uri="{FF2B5EF4-FFF2-40B4-BE49-F238E27FC236}">
+                <a16:creationId xmlns:a16="http://schemas.microsoft.com/office/drawing/2014/main" id="{5DDDE83C-C7B9-4C8E-A5C2-A322CC9D9E23}"/>
+              </a:ext>
+            </a:extLst>
+          </p:cNvPr>
+          <p:cNvPicPr>
+            <a:picLocks noChangeAspect="1"/>
+          </p:cNvPicPr>
+          <p:nvPr/>
+        </p:nvPicPr>
+        <p:blipFill>
+          <a:blip r:embed="rId3">
+            <a:extLst>
+              <a:ext uri="{28A0092B-C50C-407E-A947-70E740481C1C}">
+                <a14:useLocalDpi xmlns:a14="http://schemas.microsoft.com/office/drawing/2010/main" val="0"/>
+              </a:ext>
+            </a:extLst>
+          </a:blip>
+          <a:stretch>
+            <a:fillRect/>
+          </a:stretch>
+        </p:blipFill>
+        <p:spPr>
+          <a:xfrm>
+            <a:off x="11706045" y="12752"/>
+            <a:ext cx="423412" cy="423412"/>
+          </a:xfrm>
+          <a:prstGeom prst="rect">
+            <a:avLst/>
+          </a:prstGeom>
+        </p:spPr>
+      </p:pic>
+      <p:pic>
+        <p:nvPicPr>
+          <p:cNvPr id="10" name="Picture 6" descr="Resultado de imagen de user blue png">
+            <a:extLst>
+              <a:ext uri="{FF2B5EF4-FFF2-40B4-BE49-F238E27FC236}">
+                <a16:creationId xmlns:a16="http://schemas.microsoft.com/office/drawing/2014/main" id="{1282385E-A268-4EF2-BC66-D4CB7D5321A9}"/>
+              </a:ext>
+            </a:extLst>
+          </p:cNvPr>
+          <p:cNvPicPr>
+            <a:picLocks noChangeAspect="1" noChangeArrowheads="1"/>
+          </p:cNvPicPr>
+          <p:nvPr/>
+        </p:nvPicPr>
+        <p:blipFill>
+          <a:blip r:embed="rId4">
+            <a:extLst>
+              <a:ext uri="{BEBA8EAE-BF5A-486C-A8C5-ECC9F3942E4B}">
+                <a14:imgProps xmlns:a14="http://schemas.microsoft.com/office/drawing/2010/main">
+                  <a14:imgLayer r:embed="rId5">
+                    <a14:imgEffect>
+                      <a14:colorTemperature colorTemp="8960"/>
+                    </a14:imgEffect>
+                  </a14:imgLayer>
+                </a14:imgProps>
+              </a:ext>
+              <a:ext uri="{28A0092B-C50C-407E-A947-70E740481C1C}">
+                <a14:useLocalDpi xmlns:a14="http://schemas.microsoft.com/office/drawing/2010/main" val="0"/>
+              </a:ext>
+            </a:extLst>
+          </a:blip>
+          <a:srcRect/>
+          <a:stretch>
+            <a:fillRect/>
+          </a:stretch>
+        </p:blipFill>
+        <p:spPr bwMode="auto">
+          <a:xfrm>
+            <a:off x="5679917" y="5626919"/>
+            <a:ext cx="847066" cy="847066"/>
+          </a:xfrm>
+          <a:prstGeom prst="rect">
+            <a:avLst/>
+          </a:prstGeom>
+          <a:noFill/>
+          <a:ln>
+            <a:solidFill>
+              <a:schemeClr val="bg1"/>
+            </a:solidFill>
+          </a:ln>
+          <a:extLst>
+            <a:ext uri="{909E8E84-426E-40DD-AFC4-6F175D3DCCD1}">
+              <a14:hiddenFill xmlns:a14="http://schemas.microsoft.com/office/drawing/2010/main">
+                <a:solidFill>
+                  <a:srgbClr val="FFFFFF"/>
+                </a:solidFill>
+              </a14:hiddenFill>
+            </a:ext>
+          </a:extLst>
+        </p:spPr>
+      </p:pic>
+      <p:pic>
+        <p:nvPicPr>
+          <p:cNvPr id="3" name="Imagen 2">
+            <a:extLst>
+              <a:ext uri="{FF2B5EF4-FFF2-40B4-BE49-F238E27FC236}">
+                <a16:creationId xmlns:a16="http://schemas.microsoft.com/office/drawing/2014/main" id="{28D00D1F-E17E-4D57-80C7-4D19A9C0C7AA}"/>
+              </a:ext>
+            </a:extLst>
+          </p:cNvPr>
+          <p:cNvPicPr>
+            <a:picLocks noChangeAspect="1"/>
+          </p:cNvPicPr>
+          <p:nvPr/>
+        </p:nvPicPr>
+        <p:blipFill>
+          <a:blip r:embed="rId6">
+            <a:extLst>
+              <a:ext uri="{28A0092B-C50C-407E-A947-70E740481C1C}">
+                <a14:useLocalDpi xmlns:a14="http://schemas.microsoft.com/office/drawing/2010/main" val="0"/>
+              </a:ext>
+            </a:extLst>
+          </a:blip>
+          <a:stretch>
+            <a:fillRect/>
+          </a:stretch>
+        </p:blipFill>
+        <p:spPr>
+          <a:xfrm>
+            <a:off x="5578503" y="3893750"/>
+            <a:ext cx="1034993" cy="1034993"/>
+          </a:xfrm>
+          <a:prstGeom prst="rect">
+            <a:avLst/>
+          </a:prstGeom>
+        </p:spPr>
+      </p:pic>
+      <p:pic>
+        <p:nvPicPr>
+          <p:cNvPr id="37" name="Imagen 36">
+            <a:extLst>
+              <a:ext uri="{FF2B5EF4-FFF2-40B4-BE49-F238E27FC236}">
+                <a16:creationId xmlns:a16="http://schemas.microsoft.com/office/drawing/2014/main" id="{714C1917-50C1-4896-9E1D-021125B7A8D2}"/>
+              </a:ext>
+            </a:extLst>
+          </p:cNvPr>
+          <p:cNvPicPr>
+            <a:picLocks noChangeAspect="1"/>
+          </p:cNvPicPr>
+          <p:nvPr/>
+        </p:nvPicPr>
+        <p:blipFill>
+          <a:blip r:embed="rId7">
+            <a:extLst>
+              <a:ext uri="{28A0092B-C50C-407E-A947-70E740481C1C}">
+                <a14:useLocalDpi xmlns:a14="http://schemas.microsoft.com/office/drawing/2010/main" val="0"/>
+              </a:ext>
+            </a:extLst>
+          </a:blip>
+          <a:stretch>
+            <a:fillRect/>
+          </a:stretch>
+        </p:blipFill>
+        <p:spPr>
+          <a:xfrm>
+            <a:off x="6939131" y="4775768"/>
+            <a:ext cx="821433" cy="821433"/>
+          </a:xfrm>
+          <a:prstGeom prst="rect">
+            <a:avLst/>
+          </a:prstGeom>
+        </p:spPr>
+      </p:pic>
+      <p:cxnSp>
+        <p:nvCxnSpPr>
+          <p:cNvPr id="38" name="Conector recto de flecha 37">
+            <a:extLst>
+              <a:ext uri="{FF2B5EF4-FFF2-40B4-BE49-F238E27FC236}">
+                <a16:creationId xmlns:a16="http://schemas.microsoft.com/office/drawing/2014/main" id="{54D5D555-9FF4-4375-BE53-2B8361FF15CA}"/>
+              </a:ext>
+            </a:extLst>
+          </p:cNvPr>
+          <p:cNvCxnSpPr>
+            <a:cxnSpLocks/>
+          </p:cNvCxnSpPr>
+          <p:nvPr/>
+        </p:nvCxnSpPr>
+        <p:spPr>
+          <a:xfrm>
+            <a:off x="6575650" y="4337517"/>
+            <a:ext cx="503426" cy="453687"/>
+          </a:xfrm>
+          <a:prstGeom prst="straightConnector1">
+            <a:avLst/>
+          </a:prstGeom>
+          <a:ln w="114300">
+            <a:tailEnd type="triangle"/>
+          </a:ln>
+        </p:spPr>
+        <p:style>
+          <a:lnRef idx="3">
+            <a:schemeClr val="accent5"/>
+          </a:lnRef>
+          <a:fillRef idx="0">
+            <a:schemeClr val="accent5"/>
+          </a:fillRef>
+          <a:effectRef idx="2">
+            <a:schemeClr val="accent5"/>
+          </a:effectRef>
+          <a:fontRef idx="minor">
+            <a:schemeClr val="tx1"/>
+          </a:fontRef>
+        </p:style>
+      </p:cxnSp>
+      <p:cxnSp>
+        <p:nvCxnSpPr>
+          <p:cNvPr id="40" name="Conector recto de flecha 39">
+            <a:extLst>
+              <a:ext uri="{FF2B5EF4-FFF2-40B4-BE49-F238E27FC236}">
+                <a16:creationId xmlns:a16="http://schemas.microsoft.com/office/drawing/2014/main" id="{08B88FED-5555-4377-A940-388A3D95EF82}"/>
+              </a:ext>
+            </a:extLst>
+          </p:cNvPr>
+          <p:cNvCxnSpPr>
+            <a:cxnSpLocks/>
+          </p:cNvCxnSpPr>
+          <p:nvPr/>
+        </p:nvCxnSpPr>
+        <p:spPr>
+          <a:xfrm flipH="1">
+            <a:off x="6575650" y="5600652"/>
+            <a:ext cx="443040" cy="452086"/>
+          </a:xfrm>
+          <a:prstGeom prst="straightConnector1">
+            <a:avLst/>
+          </a:prstGeom>
+          <a:ln w="114300">
+            <a:tailEnd type="triangle"/>
+          </a:ln>
+        </p:spPr>
+        <p:style>
+          <a:lnRef idx="3">
+            <a:schemeClr val="accent5"/>
+          </a:lnRef>
+          <a:fillRef idx="0">
+            <a:schemeClr val="accent5"/>
+          </a:fillRef>
+          <a:effectRef idx="2">
+            <a:schemeClr val="accent5"/>
+          </a:effectRef>
+          <a:fontRef idx="minor">
+            <a:schemeClr val="tx1"/>
+          </a:fontRef>
+        </p:style>
+      </p:cxnSp>
+      <p:cxnSp>
+        <p:nvCxnSpPr>
+          <p:cNvPr id="43" name="Conector recto de flecha 42">
+            <a:extLst>
+              <a:ext uri="{FF2B5EF4-FFF2-40B4-BE49-F238E27FC236}">
+                <a16:creationId xmlns:a16="http://schemas.microsoft.com/office/drawing/2014/main" id="{FEB4DB4E-F1C9-4B38-8CA5-7EE6C89CF5BB}"/>
+              </a:ext>
+            </a:extLst>
+          </p:cNvPr>
+          <p:cNvCxnSpPr>
+            <a:cxnSpLocks/>
+          </p:cNvCxnSpPr>
+          <p:nvPr/>
+        </p:nvCxnSpPr>
+        <p:spPr>
+          <a:xfrm flipH="1" flipV="1">
+            <a:off x="5163876" y="5588309"/>
+            <a:ext cx="491707" cy="420016"/>
+          </a:xfrm>
+          <a:prstGeom prst="straightConnector1">
+            <a:avLst/>
+          </a:prstGeom>
+          <a:ln w="114300">
+            <a:tailEnd type="triangle"/>
+          </a:ln>
+        </p:spPr>
+        <p:style>
+          <a:lnRef idx="3">
+            <a:schemeClr val="accent5"/>
+          </a:lnRef>
+          <a:fillRef idx="0">
+            <a:schemeClr val="accent5"/>
+          </a:fillRef>
+          <a:effectRef idx="2">
+            <a:schemeClr val="accent5"/>
+          </a:effectRef>
+          <a:fontRef idx="minor">
+            <a:schemeClr val="tx1"/>
+          </a:fontRef>
+        </p:style>
+      </p:cxnSp>
+      <p:cxnSp>
+        <p:nvCxnSpPr>
+          <p:cNvPr id="47" name="Conector recto de flecha 46">
+            <a:extLst>
+              <a:ext uri="{FF2B5EF4-FFF2-40B4-BE49-F238E27FC236}">
+                <a16:creationId xmlns:a16="http://schemas.microsoft.com/office/drawing/2014/main" id="{FB6E7D3B-7D01-47B9-947F-D9DE31334E87}"/>
+              </a:ext>
+            </a:extLst>
+          </p:cNvPr>
+          <p:cNvCxnSpPr>
+            <a:cxnSpLocks/>
+          </p:cNvCxnSpPr>
+          <p:nvPr/>
+        </p:nvCxnSpPr>
+        <p:spPr>
+          <a:xfrm flipV="1">
+            <a:off x="5226088" y="4340508"/>
+            <a:ext cx="499692" cy="399371"/>
+          </a:xfrm>
+          <a:prstGeom prst="straightConnector1">
+            <a:avLst/>
+          </a:prstGeom>
+          <a:ln w="114300">
+            <a:tailEnd type="triangle"/>
+          </a:ln>
+        </p:spPr>
+        <p:style>
+          <a:lnRef idx="3">
+            <a:schemeClr val="accent5"/>
+          </a:lnRef>
+          <a:fillRef idx="0">
+            <a:schemeClr val="accent5"/>
+          </a:fillRef>
+          <a:effectRef idx="2">
+            <a:schemeClr val="accent5"/>
+          </a:effectRef>
+          <a:fontRef idx="minor">
+            <a:schemeClr val="tx1"/>
+          </a:fontRef>
+        </p:style>
+      </p:cxnSp>
+      <p:pic>
+        <p:nvPicPr>
+          <p:cNvPr id="59" name="Imagen 58">
+            <a:extLst>
+              <a:ext uri="{FF2B5EF4-FFF2-40B4-BE49-F238E27FC236}">
+                <a16:creationId xmlns:a16="http://schemas.microsoft.com/office/drawing/2014/main" id="{CB57B8F9-BC64-4223-9980-08C2002BFA41}"/>
+              </a:ext>
+            </a:extLst>
+          </p:cNvPr>
+          <p:cNvPicPr>
+            <a:picLocks noChangeAspect="1"/>
+          </p:cNvPicPr>
+          <p:nvPr/>
+        </p:nvPicPr>
+        <p:blipFill>
+          <a:blip r:embed="rId7">
+            <a:extLst>
+              <a:ext uri="{28A0092B-C50C-407E-A947-70E740481C1C}">
+                <a14:useLocalDpi xmlns:a14="http://schemas.microsoft.com/office/drawing/2010/main" val="0"/>
+              </a:ext>
+            </a:extLst>
+          </a:blip>
+          <a:stretch>
+            <a:fillRect/>
+          </a:stretch>
+        </p:blipFill>
+        <p:spPr>
+          <a:xfrm>
+            <a:off x="4510216" y="4775769"/>
+            <a:ext cx="821433" cy="821433"/>
           </a:xfrm>
           <a:prstGeom prst="rect">
             <a:avLst/>
@@ -4188,7 +6089,1834 @@
     </p:spTree>
     <p:extLst>
       <p:ext uri="{BB962C8B-B14F-4D97-AF65-F5344CB8AC3E}">
-        <p14:creationId xmlns:p14="http://schemas.microsoft.com/office/powerpoint/2010/main" val="553662764"/>
+        <p14:creationId xmlns:p14="http://schemas.microsoft.com/office/powerpoint/2010/main" val="4225878566"/>
+      </p:ext>
+    </p:extLst>
+  </p:cSld>
+  <p:clrMapOvr>
+    <a:masterClrMapping/>
+  </p:clrMapOvr>
+</p:sld>
+</file>
+
+<file path=ppt/slides/slide5.xml><?xml version="1.0" encoding="utf-8"?>
+<p:sld xmlns:a="http://purl.oclc.org/ooxml/drawingml/main" xmlns:r="http://purl.oclc.org/ooxml/officeDocument/relationships" xmlns:p="http://purl.oclc.org/ooxml/presentationml/main">
+  <p:cSld>
+    <p:spTree>
+      <p:nvGrpSpPr>
+        <p:cNvPr id="1" name=""/>
+        <p:cNvGrpSpPr/>
+        <p:nvPr/>
+      </p:nvGrpSpPr>
+      <p:grpSpPr>
+        <a:xfrm>
+          <a:off x="0" y="0"/>
+          <a:ext cx="0" cy="0"/>
+          <a:chOff x="0" y="0"/>
+          <a:chExt cx="0" cy="0"/>
+        </a:xfrm>
+      </p:grpSpPr>
+      <p:sp>
+        <p:nvSpPr>
+          <p:cNvPr id="5" name="Rectángulo 4"/>
+          <p:cNvSpPr/>
+          <p:nvPr/>
+        </p:nvSpPr>
+        <p:spPr>
+          <a:xfrm>
+            <a:off x="852810" y="617018"/>
+            <a:ext cx="7253781" cy="584775"/>
+          </a:xfrm>
+          <a:prstGeom prst="rect">
+            <a:avLst/>
+          </a:prstGeom>
+        </p:spPr>
+        <p:txBody>
+          <a:bodyPr wrap="none">
+            <a:spAutoFit/>
+          </a:bodyPr>
+          <a:lstStyle/>
+          <a:p>
+            <a:r>
+              <a:rPr lang="en-US" sz="3200" b="1" dirty="0">
+                <a:solidFill>
+                  <a:srgbClr val="FF5E00"/>
+                </a:solidFill>
+              </a:rPr>
+              <a:t>What happens with the legal documents?</a:t>
+            </a:r>
+            <a:endParaRPr lang="es-ES" sz="3200" dirty="0"/>
+          </a:p>
+        </p:txBody>
+      </p:sp>
+      <p:sp>
+        <p:nvSpPr>
+          <p:cNvPr id="6" name="Marcador de contenido 2"/>
+          <p:cNvSpPr>
+            <a:spLocks noGrp="1"/>
+          </p:cNvSpPr>
+          <p:nvPr>
+            <p:ph idx="1"/>
+          </p:nvPr>
+        </p:nvSpPr>
+        <p:spPr>
+          <a:xfrm>
+            <a:off x="852810" y="1262743"/>
+            <a:ext cx="10446561" cy="2836560"/>
+          </a:xfrm>
+        </p:spPr>
+        <p:txBody>
+          <a:bodyPr>
+            <a:normAutofit/>
+          </a:bodyPr>
+          <a:lstStyle/>
+          <a:p>
+            <a:pPr marL="0" indent="0" algn="just">
+              <a:buNone/>
+            </a:pPr>
+            <a:r>
+              <a:rPr lang="en-US" sz="2400" b="1" dirty="0">
+                <a:solidFill>
+                  <a:srgbClr val="FF5E00"/>
+                </a:solidFill>
+              </a:rPr>
+              <a:t>eDocs</a:t>
+            </a:r>
+            <a:r>
+              <a:rPr lang="en-US" sz="2400" dirty="0"/>
+              <a:t> can sign legally any document and send it.</a:t>
+            </a:r>
+          </a:p>
+          <a:p>
+            <a:pPr marL="0" indent="0" algn="just">
+              <a:buNone/>
+            </a:pPr>
+            <a:r>
+              <a:rPr lang="en-US" sz="2400" dirty="0"/>
+              <a:t>This way, the user can sign contracts, forms or be sure that a document is legal when he receives it.</a:t>
+            </a:r>
+          </a:p>
+          <a:p>
+            <a:pPr marL="0" indent="0" algn="just">
+              <a:buNone/>
+            </a:pPr>
+            <a:r>
+              <a:rPr lang="en-US" sz="2400" dirty="0"/>
+              <a:t>All documents have their own historical log and the server will always know if that document has been read or not by the destination user.</a:t>
+            </a:r>
+          </a:p>
+        </p:txBody>
+      </p:sp>
+      <p:pic>
+        <p:nvPicPr>
+          <p:cNvPr id="7" name="Imagen 6">
+            <a:extLst>
+              <a:ext uri="{FF2B5EF4-FFF2-40B4-BE49-F238E27FC236}">
+                <a16:creationId xmlns:a16="http://schemas.microsoft.com/office/drawing/2014/main" id="{624478FB-DCFC-4C48-82BE-62536620BAFD}"/>
+              </a:ext>
+            </a:extLst>
+          </p:cNvPr>
+          <p:cNvPicPr>
+            <a:picLocks noChangeAspect="1"/>
+          </p:cNvPicPr>
+          <p:nvPr/>
+        </p:nvPicPr>
+        <p:blipFill>
+          <a:blip r:embed="rId2">
+            <a:extLst>
+              <a:ext uri="{28A0092B-C50C-407E-A947-70E740481C1C}">
+                <a14:useLocalDpi xmlns:a14="http://schemas.microsoft.com/office/drawing/2010/main" val="0"/>
+              </a:ext>
+            </a:extLst>
+          </a:blip>
+          <a:stretch>
+            <a:fillRect/>
+          </a:stretch>
+        </p:blipFill>
+        <p:spPr>
+          <a:xfrm>
+            <a:off x="134595" y="118649"/>
+            <a:ext cx="646094" cy="211618"/>
+          </a:xfrm>
+          <a:prstGeom prst="rect">
+            <a:avLst/>
+          </a:prstGeom>
+        </p:spPr>
+      </p:pic>
+      <p:pic>
+        <p:nvPicPr>
+          <p:cNvPr id="8" name="Imagen 7">
+            <a:extLst>
+              <a:ext uri="{FF2B5EF4-FFF2-40B4-BE49-F238E27FC236}">
+                <a16:creationId xmlns:a16="http://schemas.microsoft.com/office/drawing/2014/main" id="{5DDDE83C-C7B9-4C8E-A5C2-A322CC9D9E23}"/>
+              </a:ext>
+            </a:extLst>
+          </p:cNvPr>
+          <p:cNvPicPr>
+            <a:picLocks noChangeAspect="1"/>
+          </p:cNvPicPr>
+          <p:nvPr/>
+        </p:nvPicPr>
+        <p:blipFill>
+          <a:blip r:embed="rId3">
+            <a:extLst>
+              <a:ext uri="{28A0092B-C50C-407E-A947-70E740481C1C}">
+                <a14:useLocalDpi xmlns:a14="http://schemas.microsoft.com/office/drawing/2010/main" val="0"/>
+              </a:ext>
+            </a:extLst>
+          </a:blip>
+          <a:stretch>
+            <a:fillRect/>
+          </a:stretch>
+        </p:blipFill>
+        <p:spPr>
+          <a:xfrm>
+            <a:off x="11706045" y="12752"/>
+            <a:ext cx="423412" cy="423412"/>
+          </a:xfrm>
+          <a:prstGeom prst="rect">
+            <a:avLst/>
+          </a:prstGeom>
+        </p:spPr>
+      </p:pic>
+      <p:pic>
+        <p:nvPicPr>
+          <p:cNvPr id="37" name="Imagen 36">
+            <a:extLst>
+              <a:ext uri="{FF2B5EF4-FFF2-40B4-BE49-F238E27FC236}">
+                <a16:creationId xmlns:a16="http://schemas.microsoft.com/office/drawing/2014/main" id="{714C1917-50C1-4896-9E1D-021125B7A8D2}"/>
+              </a:ext>
+            </a:extLst>
+          </p:cNvPr>
+          <p:cNvPicPr>
+            <a:picLocks noChangeAspect="1"/>
+          </p:cNvPicPr>
+          <p:nvPr/>
+        </p:nvPicPr>
+        <p:blipFill>
+          <a:blip r:embed="rId4">
+            <a:extLst>
+              <a:ext uri="{28A0092B-C50C-407E-A947-70E740481C1C}">
+                <a14:useLocalDpi xmlns:a14="http://schemas.microsoft.com/office/drawing/2010/main" val="0"/>
+              </a:ext>
+            </a:extLst>
+          </a:blip>
+          <a:stretch>
+            <a:fillRect/>
+          </a:stretch>
+        </p:blipFill>
+        <p:spPr>
+          <a:xfrm>
+            <a:off x="4310098" y="4323675"/>
+            <a:ext cx="1046025" cy="1046025"/>
+          </a:xfrm>
+          <a:prstGeom prst="rect">
+            <a:avLst/>
+          </a:prstGeom>
+        </p:spPr>
+      </p:pic>
+      <p:pic>
+        <p:nvPicPr>
+          <p:cNvPr id="14" name="Picture 6" descr="Resultado de imagen de user blue png">
+            <a:extLst>
+              <a:ext uri="{FF2B5EF4-FFF2-40B4-BE49-F238E27FC236}">
+                <a16:creationId xmlns:a16="http://schemas.microsoft.com/office/drawing/2014/main" id="{2D159F99-05BE-46A5-8CE0-94740C7CEC2D}"/>
+              </a:ext>
+            </a:extLst>
+          </p:cNvPr>
+          <p:cNvPicPr>
+            <a:picLocks noChangeAspect="1" noChangeArrowheads="1"/>
+          </p:cNvPicPr>
+          <p:nvPr/>
+        </p:nvPicPr>
+        <p:blipFill>
+          <a:blip r:embed="rId5">
+            <a:extLst>
+              <a:ext uri="{BEBA8EAE-BF5A-486C-A8C5-ECC9F3942E4B}">
+                <a14:imgProps xmlns:a14="http://schemas.microsoft.com/office/drawing/2010/main">
+                  <a14:imgLayer r:embed="rId6">
+                    <a14:imgEffect>
+                      <a14:colorTemperature colorTemp="8960"/>
+                    </a14:imgEffect>
+                  </a14:imgLayer>
+                </a14:imgProps>
+              </a:ext>
+              <a:ext uri="{28A0092B-C50C-407E-A947-70E740481C1C}">
+                <a14:useLocalDpi xmlns:a14="http://schemas.microsoft.com/office/drawing/2010/main" val="0"/>
+              </a:ext>
+            </a:extLst>
+          </a:blip>
+          <a:srcRect/>
+          <a:stretch>
+            <a:fillRect/>
+          </a:stretch>
+        </p:blipFill>
+        <p:spPr bwMode="auto">
+          <a:xfrm>
+            <a:off x="1808984" y="4276803"/>
+            <a:ext cx="1121229" cy="1121229"/>
+          </a:xfrm>
+          <a:prstGeom prst="rect">
+            <a:avLst/>
+          </a:prstGeom>
+          <a:noFill/>
+          <a:ln>
+            <a:solidFill>
+              <a:schemeClr val="bg1"/>
+            </a:solidFill>
+          </a:ln>
+          <a:extLst>
+            <a:ext uri="{909E8E84-426E-40DD-AFC4-6F175D3DCCD1}">
+              <a14:hiddenFill xmlns:a14="http://schemas.microsoft.com/office/drawing/2010/main">
+                <a:solidFill>
+                  <a:srgbClr val="FFFFFF"/>
+                </a:solidFill>
+              </a14:hiddenFill>
+            </a:ext>
+          </a:extLst>
+        </p:spPr>
+      </p:pic>
+      <p:cxnSp>
+        <p:nvCxnSpPr>
+          <p:cNvPr id="15" name="Conector recto de flecha 14">
+            <a:extLst>
+              <a:ext uri="{FF2B5EF4-FFF2-40B4-BE49-F238E27FC236}">
+                <a16:creationId xmlns:a16="http://schemas.microsoft.com/office/drawing/2014/main" id="{FC07C4A7-588E-4BFB-9B1D-3E357986709E}"/>
+              </a:ext>
+            </a:extLst>
+          </p:cNvPr>
+          <p:cNvCxnSpPr>
+            <a:cxnSpLocks/>
+          </p:cNvCxnSpPr>
+          <p:nvPr/>
+        </p:nvCxnSpPr>
+        <p:spPr>
+          <a:xfrm>
+            <a:off x="3122395" y="4837418"/>
+            <a:ext cx="995521" cy="0"/>
+          </a:xfrm>
+          <a:prstGeom prst="straightConnector1">
+            <a:avLst/>
+          </a:prstGeom>
+          <a:ln w="114300">
+            <a:tailEnd type="triangle"/>
+          </a:ln>
+        </p:spPr>
+        <p:style>
+          <a:lnRef idx="3">
+            <a:schemeClr val="accent5"/>
+          </a:lnRef>
+          <a:fillRef idx="0">
+            <a:schemeClr val="accent5"/>
+          </a:fillRef>
+          <a:effectRef idx="2">
+            <a:schemeClr val="accent5"/>
+          </a:effectRef>
+          <a:fontRef idx="minor">
+            <a:schemeClr val="tx1"/>
+          </a:fontRef>
+        </p:style>
+      </p:cxnSp>
+      <p:cxnSp>
+        <p:nvCxnSpPr>
+          <p:cNvPr id="16" name="Conector recto de flecha 15">
+            <a:extLst>
+              <a:ext uri="{FF2B5EF4-FFF2-40B4-BE49-F238E27FC236}">
+                <a16:creationId xmlns:a16="http://schemas.microsoft.com/office/drawing/2014/main" id="{1EEABE6C-73A5-49BE-ACD5-B8A40A11D5BB}"/>
+              </a:ext>
+            </a:extLst>
+          </p:cNvPr>
+          <p:cNvCxnSpPr>
+            <a:cxnSpLocks/>
+          </p:cNvCxnSpPr>
+          <p:nvPr/>
+        </p:nvCxnSpPr>
+        <p:spPr>
+          <a:xfrm>
+            <a:off x="5578873" y="4824394"/>
+            <a:ext cx="995521" cy="0"/>
+          </a:xfrm>
+          <a:prstGeom prst="straightConnector1">
+            <a:avLst/>
+          </a:prstGeom>
+          <a:ln w="114300">
+            <a:tailEnd type="triangle"/>
+          </a:ln>
+        </p:spPr>
+        <p:style>
+          <a:lnRef idx="3">
+            <a:schemeClr val="accent5"/>
+          </a:lnRef>
+          <a:fillRef idx="0">
+            <a:schemeClr val="accent5"/>
+          </a:fillRef>
+          <a:effectRef idx="2">
+            <a:schemeClr val="accent5"/>
+          </a:effectRef>
+          <a:fontRef idx="minor">
+            <a:schemeClr val="tx1"/>
+          </a:fontRef>
+        </p:style>
+      </p:cxnSp>
+      <p:pic>
+        <p:nvPicPr>
+          <p:cNvPr id="17" name="Imagen 16">
+            <a:extLst>
+              <a:ext uri="{FF2B5EF4-FFF2-40B4-BE49-F238E27FC236}">
+                <a16:creationId xmlns:a16="http://schemas.microsoft.com/office/drawing/2014/main" id="{8B9B77DB-7D94-41B6-BC93-B4605F721492}"/>
+              </a:ext>
+            </a:extLst>
+          </p:cNvPr>
+          <p:cNvPicPr>
+            <a:picLocks noChangeAspect="1"/>
+          </p:cNvPicPr>
+          <p:nvPr/>
+        </p:nvPicPr>
+        <p:blipFill>
+          <a:blip r:embed="rId4">
+            <a:extLst>
+              <a:ext uri="{28A0092B-C50C-407E-A947-70E740481C1C}">
+                <a14:useLocalDpi xmlns:a14="http://schemas.microsoft.com/office/drawing/2010/main" val="0"/>
+              </a:ext>
+            </a:extLst>
+          </a:blip>
+          <a:stretch>
+            <a:fillRect/>
+          </a:stretch>
+        </p:blipFill>
+        <p:spPr>
+          <a:xfrm>
+            <a:off x="6797144" y="4301381"/>
+            <a:ext cx="1046025" cy="1046025"/>
+          </a:xfrm>
+          <a:prstGeom prst="rect">
+            <a:avLst/>
+          </a:prstGeom>
+        </p:spPr>
+      </p:pic>
+      <p:pic>
+        <p:nvPicPr>
+          <p:cNvPr id="11" name="Imagen 10">
+            <a:extLst>
+              <a:ext uri="{FF2B5EF4-FFF2-40B4-BE49-F238E27FC236}">
+                <a16:creationId xmlns:a16="http://schemas.microsoft.com/office/drawing/2014/main" id="{51A82901-57F1-4ED8-9F0D-32E1C44B5A5B}"/>
+              </a:ext>
+            </a:extLst>
+          </p:cNvPr>
+          <p:cNvPicPr>
+            <a:picLocks noChangeAspect="1"/>
+          </p:cNvPicPr>
+          <p:nvPr/>
+        </p:nvPicPr>
+        <p:blipFill>
+          <a:blip r:embed="rId7">
+            <a:duotone>
+              <a:prstClr val="black"/>
+              <a:schemeClr val="tx2">
+                <a:tint val="45%"/>
+                <a:satMod val="400%"/>
+              </a:schemeClr>
+            </a:duotone>
+            <a:extLst>
+              <a:ext uri="{28A0092B-C50C-407E-A947-70E740481C1C}">
+                <a14:useLocalDpi xmlns:a14="http://schemas.microsoft.com/office/drawing/2010/main" val="0"/>
+              </a:ext>
+            </a:extLst>
+          </a:blip>
+          <a:stretch>
+            <a:fillRect/>
+          </a:stretch>
+        </p:blipFill>
+        <p:spPr>
+          <a:xfrm>
+            <a:off x="5722341" y="3969383"/>
+            <a:ext cx="708584" cy="708584"/>
+          </a:xfrm>
+          <a:prstGeom prst="rect">
+            <a:avLst/>
+          </a:prstGeom>
+        </p:spPr>
+      </p:pic>
+      <p:pic>
+        <p:nvPicPr>
+          <p:cNvPr id="22" name="Imagen 21">
+            <a:extLst>
+              <a:ext uri="{FF2B5EF4-FFF2-40B4-BE49-F238E27FC236}">
+                <a16:creationId xmlns:a16="http://schemas.microsoft.com/office/drawing/2014/main" id="{DA84CC2D-4B61-4BFA-89D3-8572507F9A4B}"/>
+              </a:ext>
+            </a:extLst>
+          </p:cNvPr>
+          <p:cNvPicPr>
+            <a:picLocks noChangeAspect="1"/>
+          </p:cNvPicPr>
+          <p:nvPr/>
+        </p:nvPicPr>
+        <p:blipFill>
+          <a:blip r:embed="rId8">
+            <a:extLst>
+              <a:ext uri="{28A0092B-C50C-407E-A947-70E740481C1C}">
+                <a14:useLocalDpi xmlns:a14="http://schemas.microsoft.com/office/drawing/2010/main" val="0"/>
+              </a:ext>
+            </a:extLst>
+          </a:blip>
+          <a:stretch>
+            <a:fillRect/>
+          </a:stretch>
+        </p:blipFill>
+        <p:spPr>
+          <a:xfrm>
+            <a:off x="8959051" y="4892749"/>
+            <a:ext cx="1325992" cy="1325992"/>
+          </a:xfrm>
+          <a:prstGeom prst="rect">
+            <a:avLst/>
+          </a:prstGeom>
+        </p:spPr>
+      </p:pic>
+      <p:cxnSp>
+        <p:nvCxnSpPr>
+          <p:cNvPr id="23" name="Conector recto de flecha 22">
+            <a:extLst>
+              <a:ext uri="{FF2B5EF4-FFF2-40B4-BE49-F238E27FC236}">
+                <a16:creationId xmlns:a16="http://schemas.microsoft.com/office/drawing/2014/main" id="{954F4C87-7477-4D40-83E2-F9FC8712885E}"/>
+              </a:ext>
+            </a:extLst>
+          </p:cNvPr>
+          <p:cNvCxnSpPr>
+            <a:cxnSpLocks/>
+          </p:cNvCxnSpPr>
+          <p:nvPr/>
+        </p:nvCxnSpPr>
+        <p:spPr>
+          <a:xfrm>
+            <a:off x="8060405" y="4796890"/>
+            <a:ext cx="1017699" cy="343974"/>
+          </a:xfrm>
+          <a:prstGeom prst="straightConnector1">
+            <a:avLst/>
+          </a:prstGeom>
+          <a:ln w="114300">
+            <a:tailEnd type="triangle"/>
+          </a:ln>
+        </p:spPr>
+        <p:style>
+          <a:lnRef idx="3">
+            <a:schemeClr val="accent5"/>
+          </a:lnRef>
+          <a:fillRef idx="0">
+            <a:schemeClr val="accent5"/>
+          </a:fillRef>
+          <a:effectRef idx="2">
+            <a:schemeClr val="accent5"/>
+          </a:effectRef>
+          <a:fontRef idx="minor">
+            <a:schemeClr val="tx1"/>
+          </a:fontRef>
+        </p:style>
+      </p:cxnSp>
+      <p:cxnSp>
+        <p:nvCxnSpPr>
+          <p:cNvPr id="25" name="Conector recto de flecha 24">
+            <a:extLst>
+              <a:ext uri="{FF2B5EF4-FFF2-40B4-BE49-F238E27FC236}">
+                <a16:creationId xmlns:a16="http://schemas.microsoft.com/office/drawing/2014/main" id="{38F2467B-2064-46D8-9979-46C0DAEB28EB}"/>
+              </a:ext>
+            </a:extLst>
+          </p:cNvPr>
+          <p:cNvCxnSpPr>
+            <a:cxnSpLocks/>
+          </p:cNvCxnSpPr>
+          <p:nvPr/>
+        </p:nvCxnSpPr>
+        <p:spPr>
+          <a:xfrm flipV="1">
+            <a:off x="8060405" y="4301381"/>
+            <a:ext cx="1017699" cy="493278"/>
+          </a:xfrm>
+          <a:prstGeom prst="straightConnector1">
+            <a:avLst/>
+          </a:prstGeom>
+          <a:ln w="114300">
+            <a:tailEnd type="triangle"/>
+          </a:ln>
+        </p:spPr>
+        <p:style>
+          <a:lnRef idx="3">
+            <a:schemeClr val="accent5"/>
+          </a:lnRef>
+          <a:fillRef idx="0">
+            <a:schemeClr val="accent5"/>
+          </a:fillRef>
+          <a:effectRef idx="2">
+            <a:schemeClr val="accent5"/>
+          </a:effectRef>
+          <a:fontRef idx="minor">
+            <a:schemeClr val="tx1"/>
+          </a:fontRef>
+        </p:style>
+      </p:cxnSp>
+      <p:pic>
+        <p:nvPicPr>
+          <p:cNvPr id="27" name="Picture 6" descr="Resultado de imagen de user blue png">
+            <a:extLst>
+              <a:ext uri="{FF2B5EF4-FFF2-40B4-BE49-F238E27FC236}">
+                <a16:creationId xmlns:a16="http://schemas.microsoft.com/office/drawing/2014/main" id="{B2B31DBF-9751-452A-9022-54E14FDECBA2}"/>
+              </a:ext>
+            </a:extLst>
+          </p:cNvPr>
+          <p:cNvPicPr>
+            <a:picLocks noChangeAspect="1" noChangeArrowheads="1"/>
+          </p:cNvPicPr>
+          <p:nvPr/>
+        </p:nvPicPr>
+        <p:blipFill>
+          <a:blip r:embed="rId5">
+            <a:extLst>
+              <a:ext uri="{BEBA8EAE-BF5A-486C-A8C5-ECC9F3942E4B}">
+                <a14:imgProps xmlns:a14="http://schemas.microsoft.com/office/drawing/2010/main">
+                  <a14:imgLayer r:embed="rId6">
+                    <a14:imgEffect>
+                      <a14:colorTemperature colorTemp="8960"/>
+                    </a14:imgEffect>
+                  </a14:imgLayer>
+                </a14:imgProps>
+              </a:ext>
+              <a:ext uri="{28A0092B-C50C-407E-A947-70E740481C1C}">
+                <a14:useLocalDpi xmlns:a14="http://schemas.microsoft.com/office/drawing/2010/main" val="0"/>
+              </a:ext>
+            </a:extLst>
+          </a:blip>
+          <a:srcRect/>
+          <a:stretch>
+            <a:fillRect/>
+          </a:stretch>
+        </p:blipFill>
+        <p:spPr bwMode="auto">
+          <a:xfrm>
+            <a:off x="9040563" y="3573279"/>
+            <a:ext cx="1121229" cy="1121229"/>
+          </a:xfrm>
+          <a:prstGeom prst="rect">
+            <a:avLst/>
+          </a:prstGeom>
+          <a:noFill/>
+          <a:ln>
+            <a:solidFill>
+              <a:schemeClr val="bg1"/>
+            </a:solidFill>
+          </a:ln>
+          <a:extLst>
+            <a:ext uri="{909E8E84-426E-40DD-AFC4-6F175D3DCCD1}">
+              <a14:hiddenFill xmlns:a14="http://schemas.microsoft.com/office/drawing/2010/main">
+                <a:solidFill>
+                  <a:srgbClr val="FFFFFF"/>
+                </a:solidFill>
+              </a14:hiddenFill>
+            </a:ext>
+          </a:extLst>
+        </p:spPr>
+      </p:pic>
+    </p:spTree>
+    <p:extLst>
+      <p:ext uri="{BB962C8B-B14F-4D97-AF65-F5344CB8AC3E}">
+        <p14:creationId xmlns:p14="http://schemas.microsoft.com/office/powerpoint/2010/main" val="2856417840"/>
+      </p:ext>
+    </p:extLst>
+  </p:cSld>
+  <p:clrMapOvr>
+    <a:masterClrMapping/>
+  </p:clrMapOvr>
+</p:sld>
+</file>
+
+<file path=ppt/slides/slide6.xml><?xml version="1.0" encoding="utf-8"?>
+<p:sld xmlns:a="http://purl.oclc.org/ooxml/drawingml/main" xmlns:r="http://purl.oclc.org/ooxml/officeDocument/relationships" xmlns:p="http://purl.oclc.org/ooxml/presentationml/main">
+  <p:cSld>
+    <p:spTree>
+      <p:nvGrpSpPr>
+        <p:cNvPr id="1" name=""/>
+        <p:cNvGrpSpPr/>
+        <p:nvPr/>
+      </p:nvGrpSpPr>
+      <p:grpSpPr>
+        <a:xfrm>
+          <a:off x="0" y="0"/>
+          <a:ext cx="0" cy="0"/>
+          <a:chOff x="0" y="0"/>
+          <a:chExt cx="0" cy="0"/>
+        </a:xfrm>
+      </p:grpSpPr>
+      <p:sp>
+        <p:nvSpPr>
+          <p:cNvPr id="5" name="Rectángulo 4"/>
+          <p:cNvSpPr/>
+          <p:nvPr/>
+        </p:nvSpPr>
+        <p:spPr>
+          <a:xfrm>
+            <a:off x="852810" y="617018"/>
+            <a:ext cx="2040943" cy="584775"/>
+          </a:xfrm>
+          <a:prstGeom prst="rect">
+            <a:avLst/>
+          </a:prstGeom>
+        </p:spPr>
+        <p:txBody>
+          <a:bodyPr wrap="none">
+            <a:spAutoFit/>
+          </a:bodyPr>
+          <a:lstStyle/>
+          <a:p>
+            <a:r>
+              <a:rPr lang="en-US" sz="3200" b="1" dirty="0">
+                <a:solidFill>
+                  <a:srgbClr val="FF5E00"/>
+                </a:solidFill>
+              </a:rPr>
+              <a:t>Conclusion</a:t>
+            </a:r>
+            <a:endParaRPr lang="es-ES" sz="3200" dirty="0"/>
+          </a:p>
+        </p:txBody>
+      </p:sp>
+      <p:sp>
+        <p:nvSpPr>
+          <p:cNvPr id="6" name="Marcador de contenido 2"/>
+          <p:cNvSpPr>
+            <a:spLocks noGrp="1"/>
+          </p:cNvSpPr>
+          <p:nvPr>
+            <p:ph idx="1"/>
+          </p:nvPr>
+        </p:nvSpPr>
+        <p:spPr>
+          <a:xfrm>
+            <a:off x="852810" y="1262743"/>
+            <a:ext cx="10446561" cy="2792737"/>
+          </a:xfrm>
+        </p:spPr>
+        <p:txBody>
+          <a:bodyPr>
+            <a:normAutofit/>
+          </a:bodyPr>
+          <a:lstStyle/>
+          <a:p>
+            <a:pPr marL="0" indent="0" algn="just">
+              <a:buNone/>
+            </a:pPr>
+            <a:r>
+              <a:rPr lang="en-US" sz="2400" b="1" dirty="0">
+                <a:solidFill>
+                  <a:srgbClr val="FF5E00"/>
+                </a:solidFill>
+              </a:rPr>
+              <a:t>eDocs</a:t>
+            </a:r>
+            <a:r>
+              <a:rPr lang="en-US" sz="2400" dirty="0"/>
+              <a:t> reduce the cost of the companies managing documentation and sending it to other companies, clients, providers…</a:t>
+            </a:r>
+          </a:p>
+          <a:p>
+            <a:pPr marL="0" indent="0" algn="just">
+              <a:buNone/>
+            </a:pPr>
+            <a:r>
+              <a:rPr lang="en-US" sz="2400" b="1" dirty="0">
+                <a:solidFill>
+                  <a:srgbClr val="FF5E00"/>
+                </a:solidFill>
+              </a:rPr>
+              <a:t>eDocs</a:t>
+            </a:r>
+            <a:r>
+              <a:rPr lang="en-US" sz="2400" dirty="0"/>
+              <a:t> is eco-friendly reducing the paper used to create documents.</a:t>
+            </a:r>
+          </a:p>
+          <a:p>
+            <a:pPr marL="0" indent="0" algn="just">
+              <a:buNone/>
+            </a:pPr>
+            <a:r>
+              <a:rPr lang="en-US" sz="2400" b="1" dirty="0">
+                <a:solidFill>
+                  <a:srgbClr val="FF5E00"/>
+                </a:solidFill>
+              </a:rPr>
+              <a:t>eDocs</a:t>
+            </a:r>
+            <a:r>
+              <a:rPr lang="en-US" sz="2400" dirty="0"/>
+              <a:t> is secure </a:t>
+            </a:r>
+            <a:r>
+              <a:rPr lang="en-US" sz="2400"/>
+              <a:t>and allows </a:t>
+            </a:r>
+            <a:r>
+              <a:rPr lang="en-US" sz="2400" dirty="0"/>
+              <a:t>the user to create legal documents before sending them.</a:t>
+            </a:r>
+          </a:p>
+          <a:p>
+            <a:pPr marL="0" indent="0" algn="just">
+              <a:buNone/>
+            </a:pPr>
+            <a:r>
+              <a:rPr lang="en-US" sz="2400" b="1" dirty="0">
+                <a:solidFill>
+                  <a:srgbClr val="FF5E00"/>
+                </a:solidFill>
+              </a:rPr>
+              <a:t>eDocs</a:t>
+            </a:r>
+            <a:r>
+              <a:rPr lang="en-US" sz="2400" dirty="0"/>
+              <a:t> helps the user having all the documents in only one device.</a:t>
+            </a:r>
+          </a:p>
+        </p:txBody>
+      </p:sp>
+      <p:pic>
+        <p:nvPicPr>
+          <p:cNvPr id="7" name="Imagen 6">
+            <a:extLst>
+              <a:ext uri="{FF2B5EF4-FFF2-40B4-BE49-F238E27FC236}">
+                <a16:creationId xmlns:a16="http://schemas.microsoft.com/office/drawing/2014/main" id="{624478FB-DCFC-4C48-82BE-62536620BAFD}"/>
+              </a:ext>
+            </a:extLst>
+          </p:cNvPr>
+          <p:cNvPicPr>
+            <a:picLocks noChangeAspect="1"/>
+          </p:cNvPicPr>
+          <p:nvPr/>
+        </p:nvPicPr>
+        <p:blipFill>
+          <a:blip r:embed="rId2">
+            <a:extLst>
+              <a:ext uri="{28A0092B-C50C-407E-A947-70E740481C1C}">
+                <a14:useLocalDpi xmlns:a14="http://schemas.microsoft.com/office/drawing/2010/main" val="0"/>
+              </a:ext>
+            </a:extLst>
+          </a:blip>
+          <a:stretch>
+            <a:fillRect/>
+          </a:stretch>
+        </p:blipFill>
+        <p:spPr>
+          <a:xfrm>
+            <a:off x="134595" y="118649"/>
+            <a:ext cx="646094" cy="211618"/>
+          </a:xfrm>
+          <a:prstGeom prst="rect">
+            <a:avLst/>
+          </a:prstGeom>
+        </p:spPr>
+      </p:pic>
+      <p:pic>
+        <p:nvPicPr>
+          <p:cNvPr id="8" name="Imagen 7">
+            <a:extLst>
+              <a:ext uri="{FF2B5EF4-FFF2-40B4-BE49-F238E27FC236}">
+                <a16:creationId xmlns:a16="http://schemas.microsoft.com/office/drawing/2014/main" id="{5DDDE83C-C7B9-4C8E-A5C2-A322CC9D9E23}"/>
+              </a:ext>
+            </a:extLst>
+          </p:cNvPr>
+          <p:cNvPicPr>
+            <a:picLocks noChangeAspect="1"/>
+          </p:cNvPicPr>
+          <p:nvPr/>
+        </p:nvPicPr>
+        <p:blipFill>
+          <a:blip r:embed="rId3">
+            <a:extLst>
+              <a:ext uri="{28A0092B-C50C-407E-A947-70E740481C1C}">
+                <a14:useLocalDpi xmlns:a14="http://schemas.microsoft.com/office/drawing/2010/main" val="0"/>
+              </a:ext>
+            </a:extLst>
+          </a:blip>
+          <a:stretch>
+            <a:fillRect/>
+          </a:stretch>
+        </p:blipFill>
+        <p:spPr>
+          <a:xfrm>
+            <a:off x="11706045" y="12752"/>
+            <a:ext cx="423412" cy="423412"/>
+          </a:xfrm>
+          <a:prstGeom prst="rect">
+            <a:avLst/>
+          </a:prstGeom>
+        </p:spPr>
+      </p:pic>
+      <p:pic>
+        <p:nvPicPr>
+          <p:cNvPr id="9" name="Imagen 8">
+            <a:extLst>
+              <a:ext uri="{FF2B5EF4-FFF2-40B4-BE49-F238E27FC236}">
+                <a16:creationId xmlns:a16="http://schemas.microsoft.com/office/drawing/2014/main" id="{BF36D939-7AB9-4D0B-B18B-E08113699152}"/>
+              </a:ext>
+            </a:extLst>
+          </p:cNvPr>
+          <p:cNvPicPr>
+            <a:picLocks noChangeAspect="1"/>
+          </p:cNvPicPr>
+          <p:nvPr/>
+        </p:nvPicPr>
+        <p:blipFill>
+          <a:blip r:embed="rId4">
+            <a:extLst>
+              <a:ext uri="{28A0092B-C50C-407E-A947-70E740481C1C}">
+                <a14:useLocalDpi xmlns:a14="http://schemas.microsoft.com/office/drawing/2010/main" val="0"/>
+              </a:ext>
+            </a:extLst>
+          </a:blip>
+          <a:stretch>
+            <a:fillRect/>
+          </a:stretch>
+        </p:blipFill>
+        <p:spPr>
+          <a:xfrm>
+            <a:off x="5572987" y="4505563"/>
+            <a:ext cx="1046025" cy="1046025"/>
+          </a:xfrm>
+          <a:prstGeom prst="rect">
+            <a:avLst/>
+          </a:prstGeom>
+        </p:spPr>
+      </p:pic>
+      <p:sp>
+        <p:nvSpPr>
+          <p:cNvPr id="16" name="Elipse 15">
+            <a:extLst>
+              <a:ext uri="{FF2B5EF4-FFF2-40B4-BE49-F238E27FC236}">
+                <a16:creationId xmlns:a16="http://schemas.microsoft.com/office/drawing/2014/main" id="{F70B17AC-EB7D-4056-8F79-021B770F83CF}"/>
+              </a:ext>
+            </a:extLst>
+          </p:cNvPr>
+          <p:cNvSpPr/>
+          <p:nvPr/>
+        </p:nvSpPr>
+        <p:spPr>
+          <a:xfrm>
+            <a:off x="5037198" y="4139613"/>
+            <a:ext cx="608070" cy="608070"/>
+          </a:xfrm>
+          <a:prstGeom prst="ellipse">
+            <a:avLst/>
+          </a:prstGeom>
+          <a:noFill/>
+          <a:ln w="50800">
+            <a:solidFill>
+              <a:srgbClr val="FF5E00"/>
+            </a:solidFill>
+          </a:ln>
+        </p:spPr>
+        <p:style>
+          <a:lnRef idx="2">
+            <a:schemeClr val="accent1">
+              <a:shade val="50%"/>
+            </a:schemeClr>
+          </a:lnRef>
+          <a:fillRef idx="1">
+            <a:schemeClr val="accent1"/>
+          </a:fillRef>
+          <a:effectRef idx="0">
+            <a:schemeClr val="accent1"/>
+          </a:effectRef>
+          <a:fontRef idx="minor">
+            <a:schemeClr val="lt1"/>
+          </a:fontRef>
+        </p:style>
+        <p:txBody>
+          <a:bodyPr rtlCol="0" anchor="ctr"/>
+          <a:lstStyle/>
+          <a:p>
+            <a:pPr algn="ctr"/>
+            <a:endParaRPr lang="es-ES"/>
+          </a:p>
+        </p:txBody>
+      </p:sp>
+      <p:sp>
+        <p:nvSpPr>
+          <p:cNvPr id="17" name="Rectángulo 16">
+            <a:extLst>
+              <a:ext uri="{FF2B5EF4-FFF2-40B4-BE49-F238E27FC236}">
+                <a16:creationId xmlns:a16="http://schemas.microsoft.com/office/drawing/2014/main" id="{933308C0-4BBC-4A03-86BD-96A95DE415B1}"/>
+              </a:ext>
+            </a:extLst>
+          </p:cNvPr>
+          <p:cNvSpPr/>
+          <p:nvPr/>
+        </p:nvSpPr>
+        <p:spPr>
+          <a:xfrm rot="18532112">
+            <a:off x="5632464" y="4609450"/>
+            <a:ext cx="45719" cy="141175"/>
+          </a:xfrm>
+          <a:prstGeom prst="rect">
+            <a:avLst/>
+          </a:prstGeom>
+          <a:solidFill>
+            <a:srgbClr val="FF5E00"/>
+          </a:solidFill>
+          <a:ln>
+            <a:noFill/>
+          </a:ln>
+        </p:spPr>
+        <p:style>
+          <a:lnRef idx="2">
+            <a:schemeClr val="accent1">
+              <a:shade val="50%"/>
+            </a:schemeClr>
+          </a:lnRef>
+          <a:fillRef idx="1">
+            <a:schemeClr val="accent1"/>
+          </a:fillRef>
+          <a:effectRef idx="0">
+            <a:schemeClr val="accent1"/>
+          </a:effectRef>
+          <a:fontRef idx="minor">
+            <a:schemeClr val="lt1"/>
+          </a:fontRef>
+        </p:style>
+        <p:txBody>
+          <a:bodyPr rtlCol="0" anchor="ctr"/>
+          <a:lstStyle/>
+          <a:p>
+            <a:pPr algn="ctr"/>
+            <a:endParaRPr lang="es-ES"/>
+          </a:p>
+        </p:txBody>
+      </p:sp>
+      <p:sp>
+        <p:nvSpPr>
+          <p:cNvPr id="20" name="Elipse 19">
+            <a:extLst>
+              <a:ext uri="{FF2B5EF4-FFF2-40B4-BE49-F238E27FC236}">
+                <a16:creationId xmlns:a16="http://schemas.microsoft.com/office/drawing/2014/main" id="{1CE0E863-1681-48EB-8383-8458DCF7042A}"/>
+              </a:ext>
+            </a:extLst>
+          </p:cNvPr>
+          <p:cNvSpPr/>
+          <p:nvPr/>
+        </p:nvSpPr>
+        <p:spPr>
+          <a:xfrm>
+            <a:off x="5776349" y="3756847"/>
+            <a:ext cx="608070" cy="608070"/>
+          </a:xfrm>
+          <a:prstGeom prst="ellipse">
+            <a:avLst/>
+          </a:prstGeom>
+          <a:noFill/>
+          <a:ln w="50800">
+            <a:solidFill>
+              <a:srgbClr val="FF5E00"/>
+            </a:solidFill>
+          </a:ln>
+        </p:spPr>
+        <p:style>
+          <a:lnRef idx="2">
+            <a:schemeClr val="accent1">
+              <a:shade val="50%"/>
+            </a:schemeClr>
+          </a:lnRef>
+          <a:fillRef idx="1">
+            <a:schemeClr val="accent1"/>
+          </a:fillRef>
+          <a:effectRef idx="0">
+            <a:schemeClr val="accent1"/>
+          </a:effectRef>
+          <a:fontRef idx="minor">
+            <a:schemeClr val="lt1"/>
+          </a:fontRef>
+        </p:style>
+        <p:txBody>
+          <a:bodyPr rtlCol="0" anchor="ctr"/>
+          <a:lstStyle/>
+          <a:p>
+            <a:pPr algn="ctr"/>
+            <a:endParaRPr lang="es-ES"/>
+          </a:p>
+        </p:txBody>
+      </p:sp>
+      <p:sp>
+        <p:nvSpPr>
+          <p:cNvPr id="21" name="Rectángulo 20">
+            <a:extLst>
+              <a:ext uri="{FF2B5EF4-FFF2-40B4-BE49-F238E27FC236}">
+                <a16:creationId xmlns:a16="http://schemas.microsoft.com/office/drawing/2014/main" id="{4BD1736D-F66C-4F9C-AF6A-1C15279097EE}"/>
+              </a:ext>
+            </a:extLst>
+          </p:cNvPr>
+          <p:cNvSpPr/>
+          <p:nvPr/>
+        </p:nvSpPr>
+        <p:spPr>
+          <a:xfrm>
+            <a:off x="6080383" y="4364917"/>
+            <a:ext cx="45719" cy="141175"/>
+          </a:xfrm>
+          <a:prstGeom prst="rect">
+            <a:avLst/>
+          </a:prstGeom>
+          <a:solidFill>
+            <a:srgbClr val="FF5E00"/>
+          </a:solidFill>
+          <a:ln>
+            <a:noFill/>
+          </a:ln>
+        </p:spPr>
+        <p:style>
+          <a:lnRef idx="2">
+            <a:schemeClr val="accent1">
+              <a:shade val="50%"/>
+            </a:schemeClr>
+          </a:lnRef>
+          <a:fillRef idx="1">
+            <a:schemeClr val="accent1"/>
+          </a:fillRef>
+          <a:effectRef idx="0">
+            <a:schemeClr val="accent1"/>
+          </a:effectRef>
+          <a:fontRef idx="minor">
+            <a:schemeClr val="lt1"/>
+          </a:fontRef>
+        </p:style>
+        <p:txBody>
+          <a:bodyPr rtlCol="0" anchor="ctr"/>
+          <a:lstStyle/>
+          <a:p>
+            <a:pPr algn="ctr"/>
+            <a:endParaRPr lang="es-ES"/>
+          </a:p>
+        </p:txBody>
+      </p:sp>
+      <p:pic>
+        <p:nvPicPr>
+          <p:cNvPr id="22" name="Picture 6" descr="Resultado de imagen de user blue png">
+            <a:extLst>
+              <a:ext uri="{FF2B5EF4-FFF2-40B4-BE49-F238E27FC236}">
+                <a16:creationId xmlns:a16="http://schemas.microsoft.com/office/drawing/2014/main" id="{B749E092-95FD-4D31-B37C-49B0A5C421DD}"/>
+              </a:ext>
+            </a:extLst>
+          </p:cNvPr>
+          <p:cNvPicPr>
+            <a:picLocks noChangeAspect="1" noChangeArrowheads="1"/>
+          </p:cNvPicPr>
+          <p:nvPr/>
+        </p:nvPicPr>
+        <p:blipFill>
+          <a:blip r:embed="rId5">
+            <a:extLst>
+              <a:ext uri="{BEBA8EAE-BF5A-486C-A8C5-ECC9F3942E4B}">
+                <a14:imgProps xmlns:a14="http://schemas.microsoft.com/office/drawing/2010/main">
+                  <a14:imgLayer r:embed="rId6">
+                    <a14:imgEffect>
+                      <a14:colorTemperature colorTemp="8960"/>
+                    </a14:imgEffect>
+                  </a14:imgLayer>
+                </a14:imgProps>
+              </a:ext>
+              <a:ext uri="{28A0092B-C50C-407E-A947-70E740481C1C}">
+                <a14:useLocalDpi xmlns:a14="http://schemas.microsoft.com/office/drawing/2010/main" val="0"/>
+              </a:ext>
+            </a:extLst>
+          </a:blip>
+          <a:srcRect/>
+          <a:stretch>
+            <a:fillRect/>
+          </a:stretch>
+        </p:blipFill>
+        <p:spPr bwMode="auto">
+          <a:xfrm>
+            <a:off x="5188027" y="4276728"/>
+            <a:ext cx="334806" cy="334806"/>
+          </a:xfrm>
+          <a:prstGeom prst="rect">
+            <a:avLst/>
+          </a:prstGeom>
+          <a:noFill/>
+          <a:ln>
+            <a:solidFill>
+              <a:schemeClr val="bg1"/>
+            </a:solidFill>
+          </a:ln>
+          <a:extLst>
+            <a:ext uri="{909E8E84-426E-40DD-AFC4-6F175D3DCCD1}">
+              <a14:hiddenFill xmlns:a14="http://schemas.microsoft.com/office/drawing/2010/main">
+                <a:solidFill>
+                  <a:srgbClr val="FFFFFF"/>
+                </a:solidFill>
+              </a14:hiddenFill>
+            </a:ext>
+          </a:extLst>
+        </p:spPr>
+      </p:pic>
+      <p:pic>
+        <p:nvPicPr>
+          <p:cNvPr id="23" name="Imagen 22">
+            <a:extLst>
+              <a:ext uri="{FF2B5EF4-FFF2-40B4-BE49-F238E27FC236}">
+                <a16:creationId xmlns:a16="http://schemas.microsoft.com/office/drawing/2014/main" id="{98E410AA-DB74-47F1-A92F-ADE642CA29DC}"/>
+              </a:ext>
+            </a:extLst>
+          </p:cNvPr>
+          <p:cNvPicPr>
+            <a:picLocks noChangeAspect="1"/>
+          </p:cNvPicPr>
+          <p:nvPr/>
+        </p:nvPicPr>
+        <p:blipFill>
+          <a:blip r:embed="rId7">
+            <a:duotone>
+              <a:prstClr val="black"/>
+              <a:schemeClr val="tx2">
+                <a:tint val="45%"/>
+                <a:satMod val="400%"/>
+              </a:schemeClr>
+            </a:duotone>
+            <a:extLst>
+              <a:ext uri="{28A0092B-C50C-407E-A947-70E740481C1C}">
+                <a14:useLocalDpi xmlns:a14="http://schemas.microsoft.com/office/drawing/2010/main" val="0"/>
+              </a:ext>
+            </a:extLst>
+          </a:blip>
+          <a:stretch>
+            <a:fillRect/>
+          </a:stretch>
+        </p:blipFill>
+        <p:spPr>
+          <a:xfrm>
+            <a:off x="5938310" y="3854392"/>
+            <a:ext cx="387660" cy="387660"/>
+          </a:xfrm>
+          <a:prstGeom prst="rect">
+            <a:avLst/>
+          </a:prstGeom>
+        </p:spPr>
+      </p:pic>
+      <p:pic>
+        <p:nvPicPr>
+          <p:cNvPr id="24" name="Imagen 23">
+            <a:extLst>
+              <a:ext uri="{FF2B5EF4-FFF2-40B4-BE49-F238E27FC236}">
+                <a16:creationId xmlns:a16="http://schemas.microsoft.com/office/drawing/2014/main" id="{ADA00261-8A18-46FE-98BE-8CCA39B5900B}"/>
+              </a:ext>
+            </a:extLst>
+          </p:cNvPr>
+          <p:cNvPicPr>
+            <a:picLocks noChangeAspect="1"/>
+          </p:cNvPicPr>
+          <p:nvPr/>
+        </p:nvPicPr>
+        <p:blipFill>
+          <a:blip r:embed="rId8">
+            <a:extLst>
+              <a:ext uri="{28A0092B-C50C-407E-A947-70E740481C1C}">
+                <a14:useLocalDpi xmlns:a14="http://schemas.microsoft.com/office/drawing/2010/main" val="0"/>
+              </a:ext>
+            </a:extLst>
+          </a:blip>
+          <a:stretch>
+            <a:fillRect/>
+          </a:stretch>
+        </p:blipFill>
+        <p:spPr>
+          <a:xfrm>
+            <a:off x="6801058" y="5242506"/>
+            <a:ext cx="384123" cy="384123"/>
+          </a:xfrm>
+          <a:prstGeom prst="rect">
+            <a:avLst/>
+          </a:prstGeom>
+        </p:spPr>
+      </p:pic>
+      <p:pic>
+        <p:nvPicPr>
+          <p:cNvPr id="25" name="Imagen 24">
+            <a:extLst>
+              <a:ext uri="{FF2B5EF4-FFF2-40B4-BE49-F238E27FC236}">
+                <a16:creationId xmlns:a16="http://schemas.microsoft.com/office/drawing/2014/main" id="{D930AF3B-B75D-48E9-9544-1478484792B0}"/>
+              </a:ext>
+            </a:extLst>
+          </p:cNvPr>
+          <p:cNvPicPr>
+            <a:picLocks noChangeAspect="1"/>
+          </p:cNvPicPr>
+          <p:nvPr/>
+        </p:nvPicPr>
+        <p:blipFill>
+          <a:blip r:embed="rId9">
+            <a:extLst>
+              <a:ext uri="{28A0092B-C50C-407E-A947-70E740481C1C}">
+                <a14:useLocalDpi xmlns:a14="http://schemas.microsoft.com/office/drawing/2010/main" val="0"/>
+              </a:ext>
+            </a:extLst>
+          </a:blip>
+          <a:stretch>
+            <a:fillRect/>
+          </a:stretch>
+        </p:blipFill>
+        <p:spPr>
+          <a:xfrm>
+            <a:off x="6724967" y="4321900"/>
+            <a:ext cx="360497" cy="360497"/>
+          </a:xfrm>
+          <a:prstGeom prst="rect">
+            <a:avLst/>
+          </a:prstGeom>
+        </p:spPr>
+      </p:pic>
+      <p:pic>
+        <p:nvPicPr>
+          <p:cNvPr id="4" name="Imagen 3">
+            <a:extLst>
+              <a:ext uri="{FF2B5EF4-FFF2-40B4-BE49-F238E27FC236}">
+                <a16:creationId xmlns:a16="http://schemas.microsoft.com/office/drawing/2014/main" id="{EC105821-5D42-482D-B45B-6E8A9A9A79EB}"/>
+              </a:ext>
+            </a:extLst>
+          </p:cNvPr>
+          <p:cNvPicPr>
+            <a:picLocks noChangeAspect="1"/>
+          </p:cNvPicPr>
+          <p:nvPr/>
+        </p:nvPicPr>
+        <p:blipFill>
+          <a:blip r:embed="rId10">
+            <a:duotone>
+              <a:schemeClr val="accent6">
+                <a:shade val="45%"/>
+                <a:satMod val="135%"/>
+              </a:schemeClr>
+              <a:prstClr val="white"/>
+            </a:duotone>
+            <a:extLst>
+              <a:ext uri="{28A0092B-C50C-407E-A947-70E740481C1C}">
+                <a14:useLocalDpi xmlns:a14="http://schemas.microsoft.com/office/drawing/2010/main" val="0"/>
+              </a:ext>
+            </a:extLst>
+          </a:blip>
+          <a:stretch>
+            <a:fillRect/>
+          </a:stretch>
+        </p:blipFill>
+        <p:spPr>
+          <a:xfrm>
+            <a:off x="4920102" y="5153345"/>
+            <a:ext cx="585466" cy="585466"/>
+          </a:xfrm>
+          <a:prstGeom prst="rect">
+            <a:avLst/>
+          </a:prstGeom>
+        </p:spPr>
+      </p:pic>
+      <p:grpSp>
+        <p:nvGrpSpPr>
+          <p:cNvPr id="31" name="Grupo 30">
+            <a:extLst>
+              <a:ext uri="{FF2B5EF4-FFF2-40B4-BE49-F238E27FC236}">
+                <a16:creationId xmlns:a16="http://schemas.microsoft.com/office/drawing/2014/main" id="{640F8F4F-7DCF-4237-AD5A-55E52610288E}"/>
+              </a:ext>
+            </a:extLst>
+          </p:cNvPr>
+          <p:cNvGrpSpPr/>
+          <p:nvPr/>
+        </p:nvGrpSpPr>
+        <p:grpSpPr>
+          <a:xfrm>
+            <a:off x="5785186" y="5675512"/>
+            <a:ext cx="608070" cy="608070"/>
+            <a:chOff x="4384508" y="5736433"/>
+            <a:chExt cx="608070" cy="608070"/>
+          </a:xfrm>
+        </p:grpSpPr>
+        <p:pic>
+          <p:nvPicPr>
+            <p:cNvPr id="32" name="Picture 8" descr="Resultado de imagen de government png">
+              <a:extLst>
+                <a:ext uri="{FF2B5EF4-FFF2-40B4-BE49-F238E27FC236}">
+                  <a16:creationId xmlns:a16="http://schemas.microsoft.com/office/drawing/2014/main" id="{821D9CBA-699E-462B-824D-5F12082931CC}"/>
+                </a:ext>
+              </a:extLst>
+            </p:cNvPr>
+            <p:cNvPicPr>
+              <a:picLocks noChangeAspect="1" noChangeArrowheads="1"/>
+            </p:cNvPicPr>
+            <p:nvPr/>
+          </p:nvPicPr>
+          <p:blipFill>
+            <a:blip r:embed="rId11">
+              <a:duotone>
+                <a:prstClr val="black"/>
+                <a:schemeClr val="accent1">
+                  <a:tint val="45%"/>
+                  <a:satMod val="400%"/>
+                </a:schemeClr>
+              </a:duotone>
+              <a:extLst>
+                <a:ext uri="{BEBA8EAE-BF5A-486C-A8C5-ECC9F3942E4B}">
+                  <a14:imgProps xmlns:a14="http://schemas.microsoft.com/office/drawing/2010/main">
+                    <a14:imgLayer r:embed="rId12">
+                      <a14:imgEffect>
+                        <a14:saturation sat="155%"/>
+                      </a14:imgEffect>
+                    </a14:imgLayer>
+                  </a14:imgProps>
+                </a:ext>
+                <a:ext uri="{28A0092B-C50C-407E-A947-70E740481C1C}">
+                  <a14:useLocalDpi xmlns:a14="http://schemas.microsoft.com/office/drawing/2010/main" val="0"/>
+                </a:ext>
+              </a:extLst>
+            </a:blip>
+            <a:srcRect/>
+            <a:stretch>
+              <a:fillRect/>
+            </a:stretch>
+          </p:blipFill>
+          <p:spPr bwMode="auto">
+            <a:xfrm>
+              <a:off x="4518292" y="5874779"/>
+              <a:ext cx="374468" cy="309605"/>
+            </a:xfrm>
+            <a:prstGeom prst="rect">
+              <a:avLst/>
+            </a:prstGeom>
+            <a:noFill/>
+            <a:extLst>
+              <a:ext uri="{909E8E84-426E-40DD-AFC4-6F175D3DCCD1}">
+                <a14:hiddenFill xmlns:a14="http://schemas.microsoft.com/office/drawing/2010/main">
+                  <a:solidFill>
+                    <a:srgbClr val="FFFFFF"/>
+                  </a:solidFill>
+                </a14:hiddenFill>
+              </a:ext>
+            </a:extLst>
+          </p:spPr>
+        </p:pic>
+        <p:sp>
+          <p:nvSpPr>
+            <p:cNvPr id="33" name="Elipse 32">
+              <a:extLst>
+                <a:ext uri="{FF2B5EF4-FFF2-40B4-BE49-F238E27FC236}">
+                  <a16:creationId xmlns:a16="http://schemas.microsoft.com/office/drawing/2014/main" id="{AC2EBC83-DE8A-4429-8DCA-8BC9428D24AD}"/>
+                </a:ext>
+              </a:extLst>
+            </p:cNvPr>
+            <p:cNvSpPr/>
+            <p:nvPr/>
+          </p:nvSpPr>
+          <p:spPr>
+            <a:xfrm>
+              <a:off x="4384508" y="5736433"/>
+              <a:ext cx="608070" cy="608070"/>
+            </a:xfrm>
+            <a:prstGeom prst="ellipse">
+              <a:avLst/>
+            </a:prstGeom>
+            <a:noFill/>
+            <a:ln w="50800">
+              <a:solidFill>
+                <a:srgbClr val="FF5E00"/>
+              </a:solidFill>
+            </a:ln>
+          </p:spPr>
+          <p:style>
+            <a:lnRef idx="2">
+              <a:schemeClr val="accent1">
+                <a:shade val="50%"/>
+              </a:schemeClr>
+            </a:lnRef>
+            <a:fillRef idx="1">
+              <a:schemeClr val="accent1"/>
+            </a:fillRef>
+            <a:effectRef idx="0">
+              <a:schemeClr val="accent1"/>
+            </a:effectRef>
+            <a:fontRef idx="minor">
+              <a:schemeClr val="lt1"/>
+            </a:fontRef>
+          </p:style>
+          <p:txBody>
+            <a:bodyPr rtlCol="0" anchor="ctr"/>
+            <a:lstStyle/>
+            <a:p>
+              <a:pPr algn="ctr"/>
+              <a:endParaRPr lang="es-ES"/>
+            </a:p>
+          </p:txBody>
+        </p:sp>
+      </p:grpSp>
+      <p:sp>
+        <p:nvSpPr>
+          <p:cNvPr id="34" name="Rectángulo 33">
+            <a:extLst>
+              <a:ext uri="{FF2B5EF4-FFF2-40B4-BE49-F238E27FC236}">
+                <a16:creationId xmlns:a16="http://schemas.microsoft.com/office/drawing/2014/main" id="{24ACD56A-5520-4185-815C-36744F9AFC35}"/>
+              </a:ext>
+            </a:extLst>
+          </p:cNvPr>
+          <p:cNvSpPr/>
+          <p:nvPr/>
+        </p:nvSpPr>
+        <p:spPr>
+          <a:xfrm rot="10800000">
+            <a:off x="6068694" y="5534336"/>
+            <a:ext cx="45719" cy="141175"/>
+          </a:xfrm>
+          <a:prstGeom prst="rect">
+            <a:avLst/>
+          </a:prstGeom>
+          <a:solidFill>
+            <a:srgbClr val="FF5E00"/>
+          </a:solidFill>
+          <a:ln>
+            <a:noFill/>
+          </a:ln>
+        </p:spPr>
+        <p:style>
+          <a:lnRef idx="2">
+            <a:schemeClr val="accent1">
+              <a:shade val="50%"/>
+            </a:schemeClr>
+          </a:lnRef>
+          <a:fillRef idx="1">
+            <a:schemeClr val="accent1"/>
+          </a:fillRef>
+          <a:effectRef idx="0">
+            <a:schemeClr val="accent1"/>
+          </a:effectRef>
+          <a:fontRef idx="minor">
+            <a:schemeClr val="lt1"/>
+          </a:fontRef>
+        </p:style>
+        <p:txBody>
+          <a:bodyPr rtlCol="0" anchor="ctr"/>
+          <a:lstStyle/>
+          <a:p>
+            <a:pPr algn="ctr"/>
+            <a:endParaRPr lang="es-ES"/>
+          </a:p>
+        </p:txBody>
+      </p:sp>
+      <p:sp>
+        <p:nvSpPr>
+          <p:cNvPr id="42" name="Elipse 41">
+            <a:extLst>
+              <a:ext uri="{FF2B5EF4-FFF2-40B4-BE49-F238E27FC236}">
+                <a16:creationId xmlns:a16="http://schemas.microsoft.com/office/drawing/2014/main" id="{E7068675-C956-42D2-9D4E-A98647BCCDCE}"/>
+              </a:ext>
+            </a:extLst>
+          </p:cNvPr>
+          <p:cNvSpPr/>
+          <p:nvPr/>
+        </p:nvSpPr>
+        <p:spPr>
+          <a:xfrm>
+            <a:off x="4908800" y="5130741"/>
+            <a:ext cx="608070" cy="608070"/>
+          </a:xfrm>
+          <a:prstGeom prst="ellipse">
+            <a:avLst/>
+          </a:prstGeom>
+          <a:noFill/>
+          <a:ln w="50800">
+            <a:solidFill>
+              <a:srgbClr val="FF5E00"/>
+            </a:solidFill>
+          </a:ln>
+        </p:spPr>
+        <p:style>
+          <a:lnRef idx="2">
+            <a:schemeClr val="accent1">
+              <a:shade val="50%"/>
+            </a:schemeClr>
+          </a:lnRef>
+          <a:fillRef idx="1">
+            <a:schemeClr val="accent1"/>
+          </a:fillRef>
+          <a:effectRef idx="0">
+            <a:schemeClr val="accent1"/>
+          </a:effectRef>
+          <a:fontRef idx="minor">
+            <a:schemeClr val="lt1"/>
+          </a:fontRef>
+        </p:style>
+        <p:txBody>
+          <a:bodyPr rtlCol="0" anchor="ctr"/>
+          <a:lstStyle/>
+          <a:p>
+            <a:pPr algn="ctr"/>
+            <a:endParaRPr lang="es-ES"/>
+          </a:p>
+        </p:txBody>
+      </p:sp>
+      <p:sp>
+        <p:nvSpPr>
+          <p:cNvPr id="44" name="Rectángulo 43">
+            <a:extLst>
+              <a:ext uri="{FF2B5EF4-FFF2-40B4-BE49-F238E27FC236}">
+                <a16:creationId xmlns:a16="http://schemas.microsoft.com/office/drawing/2014/main" id="{652BD5B0-3712-496F-BCA4-4439B4D04F42}"/>
+              </a:ext>
+            </a:extLst>
+          </p:cNvPr>
+          <p:cNvSpPr/>
+          <p:nvPr/>
+        </p:nvSpPr>
+        <p:spPr>
+          <a:xfrm rot="14485436">
+            <a:off x="5526874" y="5180513"/>
+            <a:ext cx="45719" cy="141175"/>
+          </a:xfrm>
+          <a:prstGeom prst="rect">
+            <a:avLst/>
+          </a:prstGeom>
+          <a:solidFill>
+            <a:srgbClr val="FF5E00"/>
+          </a:solidFill>
+          <a:ln>
+            <a:noFill/>
+          </a:ln>
+        </p:spPr>
+        <p:style>
+          <a:lnRef idx="2">
+            <a:schemeClr val="accent1">
+              <a:shade val="50%"/>
+            </a:schemeClr>
+          </a:lnRef>
+          <a:fillRef idx="1">
+            <a:schemeClr val="accent1"/>
+          </a:fillRef>
+          <a:effectRef idx="0">
+            <a:schemeClr val="accent1"/>
+          </a:effectRef>
+          <a:fontRef idx="minor">
+            <a:schemeClr val="lt1"/>
+          </a:fontRef>
+        </p:style>
+        <p:txBody>
+          <a:bodyPr rtlCol="0" anchor="ctr"/>
+          <a:lstStyle/>
+          <a:p>
+            <a:pPr algn="ctr"/>
+            <a:endParaRPr lang="es-ES"/>
+          </a:p>
+        </p:txBody>
+      </p:sp>
+      <p:sp>
+        <p:nvSpPr>
+          <p:cNvPr id="45" name="Elipse 44">
+            <a:extLst>
+              <a:ext uri="{FF2B5EF4-FFF2-40B4-BE49-F238E27FC236}">
+                <a16:creationId xmlns:a16="http://schemas.microsoft.com/office/drawing/2014/main" id="{630230FC-AF02-4963-B166-0A57C207CF85}"/>
+              </a:ext>
+            </a:extLst>
+          </p:cNvPr>
+          <p:cNvSpPr/>
+          <p:nvPr/>
+        </p:nvSpPr>
+        <p:spPr>
+          <a:xfrm>
+            <a:off x="6583350" y="4187248"/>
+            <a:ext cx="608070" cy="608070"/>
+          </a:xfrm>
+          <a:prstGeom prst="ellipse">
+            <a:avLst/>
+          </a:prstGeom>
+          <a:noFill/>
+          <a:ln w="50800">
+            <a:solidFill>
+              <a:srgbClr val="FF5E00"/>
+            </a:solidFill>
+          </a:ln>
+        </p:spPr>
+        <p:style>
+          <a:lnRef idx="2">
+            <a:schemeClr val="accent1">
+              <a:shade val="50%"/>
+            </a:schemeClr>
+          </a:lnRef>
+          <a:fillRef idx="1">
+            <a:schemeClr val="accent1"/>
+          </a:fillRef>
+          <a:effectRef idx="0">
+            <a:schemeClr val="accent1"/>
+          </a:effectRef>
+          <a:fontRef idx="minor">
+            <a:schemeClr val="lt1"/>
+          </a:fontRef>
+        </p:style>
+        <p:txBody>
+          <a:bodyPr rtlCol="0" anchor="ctr"/>
+          <a:lstStyle/>
+          <a:p>
+            <a:pPr algn="ctr"/>
+            <a:endParaRPr lang="es-ES"/>
+          </a:p>
+        </p:txBody>
+      </p:sp>
+      <p:sp>
+        <p:nvSpPr>
+          <p:cNvPr id="46" name="Elipse 45">
+            <a:extLst>
+              <a:ext uri="{FF2B5EF4-FFF2-40B4-BE49-F238E27FC236}">
+                <a16:creationId xmlns:a16="http://schemas.microsoft.com/office/drawing/2014/main" id="{3F04D1B2-E962-46EA-87A1-872E9943109F}"/>
+              </a:ext>
+            </a:extLst>
+          </p:cNvPr>
+          <p:cNvSpPr/>
+          <p:nvPr/>
+        </p:nvSpPr>
+        <p:spPr>
+          <a:xfrm>
+            <a:off x="6671995" y="5134869"/>
+            <a:ext cx="608070" cy="608070"/>
+          </a:xfrm>
+          <a:prstGeom prst="ellipse">
+            <a:avLst/>
+          </a:prstGeom>
+          <a:noFill/>
+          <a:ln w="50800">
+            <a:solidFill>
+              <a:srgbClr val="FF5E00"/>
+            </a:solidFill>
+          </a:ln>
+        </p:spPr>
+        <p:style>
+          <a:lnRef idx="2">
+            <a:schemeClr val="accent1">
+              <a:shade val="50%"/>
+            </a:schemeClr>
+          </a:lnRef>
+          <a:fillRef idx="1">
+            <a:schemeClr val="accent1"/>
+          </a:fillRef>
+          <a:effectRef idx="0">
+            <a:schemeClr val="accent1"/>
+          </a:effectRef>
+          <a:fontRef idx="minor">
+            <a:schemeClr val="lt1"/>
+          </a:fontRef>
+        </p:style>
+        <p:txBody>
+          <a:bodyPr rtlCol="0" anchor="ctr"/>
+          <a:lstStyle/>
+          <a:p>
+            <a:pPr algn="ctr"/>
+            <a:endParaRPr lang="es-ES"/>
+          </a:p>
+        </p:txBody>
+      </p:sp>
+      <p:sp>
+        <p:nvSpPr>
+          <p:cNvPr id="48" name="Rectángulo 47">
+            <a:extLst>
+              <a:ext uri="{FF2B5EF4-FFF2-40B4-BE49-F238E27FC236}">
+                <a16:creationId xmlns:a16="http://schemas.microsoft.com/office/drawing/2014/main" id="{221DF8AB-4937-4183-8F2E-7A66140915E0}"/>
+              </a:ext>
+            </a:extLst>
+          </p:cNvPr>
+          <p:cNvSpPr/>
+          <p:nvPr/>
+        </p:nvSpPr>
+        <p:spPr>
+          <a:xfrm rot="3253036">
+            <a:off x="6538555" y="4626314"/>
+            <a:ext cx="45719" cy="141175"/>
+          </a:xfrm>
+          <a:prstGeom prst="rect">
+            <a:avLst/>
+          </a:prstGeom>
+          <a:solidFill>
+            <a:srgbClr val="FF5E00"/>
+          </a:solidFill>
+          <a:ln>
+            <a:noFill/>
+          </a:ln>
+        </p:spPr>
+        <p:style>
+          <a:lnRef idx="2">
+            <a:schemeClr val="accent1">
+              <a:shade val="50%"/>
+            </a:schemeClr>
+          </a:lnRef>
+          <a:fillRef idx="1">
+            <a:schemeClr val="accent1"/>
+          </a:fillRef>
+          <a:effectRef idx="0">
+            <a:schemeClr val="accent1"/>
+          </a:effectRef>
+          <a:fontRef idx="minor">
+            <a:schemeClr val="lt1"/>
+          </a:fontRef>
+        </p:style>
+        <p:txBody>
+          <a:bodyPr rtlCol="0" anchor="ctr"/>
+          <a:lstStyle/>
+          <a:p>
+            <a:pPr algn="ctr"/>
+            <a:endParaRPr lang="es-ES"/>
+          </a:p>
+        </p:txBody>
+      </p:sp>
+      <p:sp>
+        <p:nvSpPr>
+          <p:cNvPr id="49" name="Rectángulo 48">
+            <a:extLst>
+              <a:ext uri="{FF2B5EF4-FFF2-40B4-BE49-F238E27FC236}">
+                <a16:creationId xmlns:a16="http://schemas.microsoft.com/office/drawing/2014/main" id="{51F0CA4A-A0C9-4586-B890-747AFAC12822}"/>
+              </a:ext>
+            </a:extLst>
+          </p:cNvPr>
+          <p:cNvSpPr/>
+          <p:nvPr/>
+        </p:nvSpPr>
+        <p:spPr>
+          <a:xfrm rot="7092496">
+            <a:off x="6610306" y="5194717"/>
+            <a:ext cx="45719" cy="141175"/>
+          </a:xfrm>
+          <a:prstGeom prst="rect">
+            <a:avLst/>
+          </a:prstGeom>
+          <a:solidFill>
+            <a:srgbClr val="FF5E00"/>
+          </a:solidFill>
+          <a:ln>
+            <a:noFill/>
+          </a:ln>
+        </p:spPr>
+        <p:style>
+          <a:lnRef idx="2">
+            <a:schemeClr val="accent1">
+              <a:shade val="50%"/>
+            </a:schemeClr>
+          </a:lnRef>
+          <a:fillRef idx="1">
+            <a:schemeClr val="accent1"/>
+          </a:fillRef>
+          <a:effectRef idx="0">
+            <a:schemeClr val="accent1"/>
+          </a:effectRef>
+          <a:fontRef idx="minor">
+            <a:schemeClr val="lt1"/>
+          </a:fontRef>
+        </p:style>
+        <p:txBody>
+          <a:bodyPr rtlCol="0" anchor="ctr"/>
+          <a:lstStyle/>
+          <a:p>
+            <a:pPr algn="ctr"/>
+            <a:endParaRPr lang="es-ES"/>
+          </a:p>
+        </p:txBody>
+      </p:sp>
+    </p:spTree>
+    <p:extLst>
+      <p:ext uri="{BB962C8B-B14F-4D97-AF65-F5344CB8AC3E}">
+        <p14:creationId xmlns:p14="http://schemas.microsoft.com/office/powerpoint/2010/main" val="3059290157"/>
       </p:ext>
     </p:extLst>
   </p:cSld>

--- a/docs/presentation/EDocs_presentation.pptx
+++ b/docs/presentation/EDocs_presentation.pptx
@@ -112,17 +112,22 @@
   <p:extLst>
     <p:ext uri="{EFAFB233-063F-42B5-8137-9DF3F51BA10A}">
       <p15:sldGuideLst xmlns:p15="http://schemas.microsoft.com/office/powerpoint/2012/main">
-        <p15:guide id="1" orient="horz" pos="3566" userDrawn="1">
+        <p15:guide id="1" orient="horz" pos="1865" userDrawn="1">
           <p15:clr>
             <a:srgbClr val="A4A3A4"/>
           </p15:clr>
         </p15:guide>
-        <p15:guide id="2" pos="3840" userDrawn="1">
+        <p15:guide id="2" pos="733" userDrawn="1">
           <p15:clr>
             <a:srgbClr val="A4A3A4"/>
           </p15:clr>
         </p15:guide>
         <p15:guide id="3" orient="horz" pos="1797" userDrawn="1">
+          <p15:clr>
+            <a:srgbClr val="A4A3A4"/>
+          </p15:clr>
+        </p15:guide>
+        <p15:guide id="4" orient="horz" pos="1616" userDrawn="1">
           <p15:clr>
             <a:srgbClr val="A4A3A4"/>
           </p15:clr>
@@ -4227,7 +4232,7 @@
         <p:spPr>
           <a:xfrm>
             <a:off x="852810" y="617018"/>
-            <a:ext cx="2672783" cy="584775"/>
+            <a:ext cx="2679195" cy="584775"/>
           </a:xfrm>
           <a:prstGeom prst="rect">
             <a:avLst/>
@@ -4245,23 +4250,7 @@
                   <a:srgbClr val="FF5E00"/>
                 </a:solidFill>
               </a:rPr>
-              <a:t>What’s </a:t>
-            </a:r>
-            <a:r>
-              <a:rPr lang="en-US" sz="3200" b="1" dirty="0" err="1">
-                <a:solidFill>
-                  <a:srgbClr val="FF5E00"/>
-                </a:solidFill>
-              </a:rPr>
-              <a:t>EDocs</a:t>
-            </a:r>
-            <a:r>
-              <a:rPr lang="en-US" sz="3200" b="1" dirty="0">
-                <a:solidFill>
-                  <a:srgbClr val="FF5E00"/>
-                </a:solidFill>
-              </a:rPr>
-              <a:t>?</a:t>
+              <a:t>What’s eDocs?</a:t>
             </a:r>
             <a:endParaRPr lang="es-ES" sz="3200" dirty="0"/>
           </a:p>
@@ -4482,7 +4471,7 @@
         <p:spPr>
           <a:xfrm>
             <a:off x="852810" y="617018"/>
-            <a:ext cx="4996048" cy="584775"/>
+            <a:ext cx="4856201" cy="584775"/>
           </a:xfrm>
           <a:prstGeom prst="rect">
             <a:avLst/>
@@ -4500,23 +4489,7 @@
                   <a:srgbClr val="FF5E00"/>
                 </a:solidFill>
               </a:rPr>
-              <a:t>What can do </a:t>
-            </a:r>
-            <a:r>
-              <a:rPr lang="en-US" sz="3200" b="1" dirty="0" err="1">
-                <a:solidFill>
-                  <a:srgbClr val="FF5E00"/>
-                </a:solidFill>
-              </a:rPr>
-              <a:t>EDocs</a:t>
-            </a:r>
-            <a:r>
-              <a:rPr lang="en-US" sz="3200" b="1" dirty="0">
-                <a:solidFill>
-                  <a:srgbClr val="FF5E00"/>
-                </a:solidFill>
-              </a:rPr>
-              <a:t> for me?</a:t>
+              <a:t>What can do eDocs for me?</a:t>
             </a:r>
             <a:endParaRPr lang="es-ES" sz="3200" dirty="0"/>
           </a:p>
@@ -6848,15 +6821,7 @@
             </a:r>
             <a:r>
               <a:rPr lang="en-US" sz="2400" dirty="0"/>
-              <a:t> is secure </a:t>
-            </a:r>
-            <a:r>
-              <a:rPr lang="en-US" sz="2400"/>
-              <a:t>and allows </a:t>
-            </a:r>
-            <a:r>
-              <a:rPr lang="en-US" sz="2400" dirty="0"/>
-              <a:t>the user to create legal documents before sending them.</a:t>
+              <a:t> is secure and allows the user to create legal documents before sending them.</a:t>
             </a:r>
           </a:p>
           <a:p>
